--- a/presentation/ATM Banking Project.pptx
+++ b/presentation/ATM Banking Project.pptx
@@ -15,7 +15,16 @@
     <p:sldId id="271" r:id="rId9"/>
     <p:sldId id="267" r:id="rId10"/>
     <p:sldId id="270" r:id="rId11"/>
-    <p:sldId id="269" r:id="rId12"/>
+    <p:sldId id="272" r:id="rId12"/>
+    <p:sldId id="273" r:id="rId13"/>
+    <p:sldId id="274" r:id="rId14"/>
+    <p:sldId id="275" r:id="rId15"/>
+    <p:sldId id="276" r:id="rId16"/>
+    <p:sldId id="277" r:id="rId17"/>
+    <p:sldId id="278" r:id="rId18"/>
+    <p:sldId id="279" r:id="rId19"/>
+    <p:sldId id="280" r:id="rId20"/>
+    <p:sldId id="269" r:id="rId21"/>
   </p:sldIdLst>
   <p:sldSz cx="12192000" cy="6858000"/>
   <p:notesSz cx="6858000" cy="9144000"/>
@@ -298,7 +307,7 @@
           </a:lstStyle>
           <a:p>
             <a:r>
-              <a:rPr lang="en-US" smtClean="0"/>
+              <a:rPr lang="en-US"/>
               <a:t>Click to edit Master title style</a:t>
             </a:r>
             <a:endParaRPr lang="en-US" dirty="0"/>
@@ -418,7 +427,7 @@
           </a:lstStyle>
           <a:p>
             <a:r>
-              <a:rPr lang="en-US" smtClean="0"/>
+              <a:rPr lang="en-US"/>
               <a:t>Click to edit Master subtitle style</a:t>
             </a:r>
             <a:endParaRPr lang="en-US" dirty="0"/>
@@ -458,7 +467,7 @@
             <a:fld id="{5923F103-BC34-4FE4-A40E-EDDEECFDA5D0}" type="datetimeFigureOut">
               <a:rPr lang="en-US" dirty="0"/>
               <a:pPr/>
-              <a:t>9/26/2023</a:t>
+              <a:t>9/27/2023</a:t>
             </a:fld>
             <a:endParaRPr lang="en-US" dirty="0"/>
           </a:p>
@@ -1365,7 +1374,7 @@
           </a:lstStyle>
           <a:p>
             <a:r>
-              <a:rPr lang="en-US" smtClean="0"/>
+              <a:rPr lang="en-US"/>
               <a:t>Click to edit Master title style</a:t>
             </a:r>
             <a:endParaRPr lang="en-US" dirty="0"/>
@@ -1444,7 +1453,7 @@
           </a:lstStyle>
           <a:p>
             <a:r>
-              <a:rPr lang="en-US" smtClean="0"/>
+              <a:rPr lang="en-US"/>
               <a:t>Click icon to add picture</a:t>
             </a:r>
             <a:endParaRPr lang="en-US" dirty="0"/>
@@ -1519,7 +1528,7 @@
           <a:p>
             <a:pPr lvl="0"/>
             <a:r>
-              <a:rPr lang="en-US" smtClean="0"/>
+              <a:rPr lang="en-US"/>
               <a:t>Edit Master text styles</a:t>
             </a:r>
           </a:p>
@@ -1542,7 +1551,7 @@
           <a:p>
             <a:fld id="{923A1CC3-2375-41D4-9E03-427CAF2A4C1A}" type="datetimeFigureOut">
               <a:rPr lang="en-US" dirty="0"/>
-              <a:t>9/26/2023</a:t>
+              <a:t>9/27/2023</a:t>
             </a:fld>
             <a:endParaRPr lang="en-US" dirty="0"/>
           </a:p>
@@ -2427,7 +2436,7 @@
           </a:lstStyle>
           <a:p>
             <a:r>
-              <a:rPr lang="en-US" smtClean="0"/>
+              <a:rPr lang="en-US"/>
               <a:t>Click to edit Master title style</a:t>
             </a:r>
             <a:endParaRPr lang="en-US" dirty="0"/>
@@ -2495,7 +2504,7 @@
           <a:p>
             <a:pPr lvl="0"/>
             <a:r>
-              <a:rPr lang="en-US" smtClean="0"/>
+              <a:rPr lang="en-US"/>
               <a:t>Edit Master text styles</a:t>
             </a:r>
           </a:p>
@@ -2518,7 +2527,7 @@
           <a:p>
             <a:fld id="{AFF16868-8199-4C2C-A5B1-63AEE139F88E}" type="datetimeFigureOut">
               <a:rPr lang="en-US" dirty="0"/>
-              <a:t>9/26/2023</a:t>
+              <a:t>9/27/2023</a:t>
             </a:fld>
             <a:endParaRPr lang="en-US" dirty="0"/>
           </a:p>
@@ -3481,7 +3490,7 @@
           </a:lstStyle>
           <a:p>
             <a:r>
-              <a:rPr lang="en-US" smtClean="0"/>
+              <a:rPr lang="en-US"/>
               <a:t>Click to edit Master title style</a:t>
             </a:r>
             <a:endParaRPr lang="en-US" dirty="0"/>
@@ -3558,7 +3567,7 @@
           <a:p>
             <a:pPr lvl="0"/>
             <a:r>
-              <a:rPr lang="en-US" smtClean="0"/>
+              <a:rPr lang="en-US"/>
               <a:t>Edit Master text styles</a:t>
             </a:r>
           </a:p>
@@ -3625,7 +3634,7 @@
           <a:p>
             <a:pPr lvl="0"/>
             <a:r>
-              <a:rPr lang="en-US" smtClean="0"/>
+              <a:rPr lang="en-US"/>
               <a:t>Edit Master text styles</a:t>
             </a:r>
           </a:p>
@@ -3648,7 +3657,7 @@
           <a:p>
             <a:fld id="{AAD9FF7F-6988-44CC-821B-644E70CD2F73}" type="datetimeFigureOut">
               <a:rPr lang="en-US" dirty="0"/>
-              <a:t>9/26/2023</a:t>
+              <a:t>9/27/2023</a:t>
             </a:fld>
             <a:endParaRPr lang="en-US" dirty="0"/>
           </a:p>
@@ -4533,7 +4542,7 @@
           </a:lstStyle>
           <a:p>
             <a:r>
-              <a:rPr lang="en-US" smtClean="0"/>
+              <a:rPr lang="en-US"/>
               <a:t>Click to edit Master title style</a:t>
             </a:r>
             <a:endParaRPr lang="en-US" dirty="0"/>
@@ -4654,7 +4663,7 @@
           <a:p>
             <a:pPr lvl="0"/>
             <a:r>
-              <a:rPr lang="en-US" smtClean="0"/>
+              <a:rPr lang="en-US"/>
               <a:t>Edit Master text styles</a:t>
             </a:r>
           </a:p>
@@ -4677,7 +4686,7 @@
           <a:p>
             <a:fld id="{5C12C299-16B2-4475-990D-751901EACC14}" type="datetimeFigureOut">
               <a:rPr lang="en-US" dirty="0"/>
-              <a:t>9/26/2023</a:t>
+              <a:t>9/27/2023</a:t>
             </a:fld>
             <a:endParaRPr lang="en-US" dirty="0"/>
           </a:p>
@@ -4812,7 +4821,7 @@
           </a:lstStyle>
           <a:p>
             <a:r>
-              <a:rPr lang="en-US" smtClean="0"/>
+              <a:rPr lang="en-US"/>
               <a:t>Click to edit Master title style</a:t>
             </a:r>
             <a:endParaRPr lang="en-US" dirty="0"/>
@@ -4887,7 +4896,7 @@
           <a:p>
             <a:pPr lvl="0"/>
             <a:r>
-              <a:rPr lang="en-US" smtClean="0"/>
+              <a:rPr lang="en-US"/>
               <a:t>Edit Master text styles</a:t>
             </a:r>
           </a:p>
@@ -4954,7 +4963,7 @@
           <a:p>
             <a:pPr lvl="0"/>
             <a:r>
-              <a:rPr lang="en-US" smtClean="0"/>
+              <a:rPr lang="en-US"/>
               <a:t>Edit Master text styles</a:t>
             </a:r>
           </a:p>
@@ -5028,7 +5037,7 @@
           <a:p>
             <a:pPr lvl="0"/>
             <a:r>
-              <a:rPr lang="en-US" smtClean="0"/>
+              <a:rPr lang="en-US"/>
               <a:t>Edit Master text styles</a:t>
             </a:r>
           </a:p>
@@ -5095,7 +5104,7 @@
           <a:p>
             <a:pPr lvl="0"/>
             <a:r>
-              <a:rPr lang="en-US" smtClean="0"/>
+              <a:rPr lang="en-US"/>
               <a:t>Edit Master text styles</a:t>
             </a:r>
           </a:p>
@@ -5169,7 +5178,7 @@
           <a:p>
             <a:pPr lvl="0"/>
             <a:r>
-              <a:rPr lang="en-US" smtClean="0"/>
+              <a:rPr lang="en-US"/>
               <a:t>Edit Master text styles</a:t>
             </a:r>
           </a:p>
@@ -5236,7 +5245,7 @@
           <a:p>
             <a:pPr lvl="0"/>
             <a:r>
-              <a:rPr lang="en-US" smtClean="0"/>
+              <a:rPr lang="en-US"/>
               <a:t>Edit Master text styles</a:t>
             </a:r>
           </a:p>
@@ -5333,7 +5342,7 @@
           <a:p>
             <a:fld id="{9FE86839-B9D8-4651-8783-F325ECE74E65}" type="datetimeFigureOut">
               <a:rPr lang="en-US" dirty="0"/>
-              <a:t>9/26/2023</a:t>
+              <a:t>9/27/2023</a:t>
             </a:fld>
             <a:endParaRPr lang="en-US" dirty="0"/>
           </a:p>
@@ -5432,7 +5441,7 @@
           </a:lstStyle>
           <a:p>
             <a:r>
-              <a:rPr lang="en-US" smtClean="0"/>
+              <a:rPr lang="en-US"/>
               <a:t>Click to edit Master title style</a:t>
             </a:r>
             <a:endParaRPr lang="en-US" dirty="0"/>
@@ -5507,7 +5516,7 @@
           <a:p>
             <a:pPr lvl="0"/>
             <a:r>
-              <a:rPr lang="en-US" smtClean="0"/>
+              <a:rPr lang="en-US"/>
               <a:t>Edit Master text styles</a:t>
             </a:r>
           </a:p>
@@ -5585,7 +5594,7 @@
           </a:lstStyle>
           <a:p>
             <a:r>
-              <a:rPr lang="en-US" smtClean="0"/>
+              <a:rPr lang="en-US"/>
               <a:t>Click icon to add picture</a:t>
             </a:r>
             <a:endParaRPr lang="en-US" dirty="0"/>
@@ -5653,7 +5662,7 @@
           <a:p>
             <a:pPr lvl="0"/>
             <a:r>
-              <a:rPr lang="en-US" smtClean="0"/>
+              <a:rPr lang="en-US"/>
               <a:t>Edit Master text styles</a:t>
             </a:r>
           </a:p>
@@ -5727,7 +5736,7 @@
           <a:p>
             <a:pPr lvl="0"/>
             <a:r>
-              <a:rPr lang="en-US" smtClean="0"/>
+              <a:rPr lang="en-US"/>
               <a:t>Edit Master text styles</a:t>
             </a:r>
           </a:p>
@@ -5805,7 +5814,7 @@
           </a:lstStyle>
           <a:p>
             <a:r>
-              <a:rPr lang="en-US" smtClean="0"/>
+              <a:rPr lang="en-US"/>
               <a:t>Click icon to add picture</a:t>
             </a:r>
             <a:endParaRPr lang="en-US" dirty="0"/>
@@ -5873,7 +5882,7 @@
           <a:p>
             <a:pPr lvl="0"/>
             <a:r>
-              <a:rPr lang="en-US" smtClean="0"/>
+              <a:rPr lang="en-US"/>
               <a:t>Edit Master text styles</a:t>
             </a:r>
           </a:p>
@@ -5947,7 +5956,7 @@
           <a:p>
             <a:pPr lvl="0"/>
             <a:r>
-              <a:rPr lang="en-US" smtClean="0"/>
+              <a:rPr lang="en-US"/>
               <a:t>Edit Master text styles</a:t>
             </a:r>
           </a:p>
@@ -6025,7 +6034,7 @@
           </a:lstStyle>
           <a:p>
             <a:r>
-              <a:rPr lang="en-US" smtClean="0"/>
+              <a:rPr lang="en-US"/>
               <a:t>Click icon to add picture</a:t>
             </a:r>
             <a:endParaRPr lang="en-US" dirty="0"/>
@@ -6093,7 +6102,7 @@
           <a:p>
             <a:pPr lvl="0"/>
             <a:r>
-              <a:rPr lang="en-US" smtClean="0"/>
+              <a:rPr lang="en-US"/>
               <a:t>Edit Master text styles</a:t>
             </a:r>
           </a:p>
@@ -6190,7 +6199,7 @@
           <a:p>
             <a:fld id="{FD484F64-32F6-45C5-931F-ADC1662401D0}" type="datetimeFigureOut">
               <a:rPr lang="en-US" dirty="0"/>
-              <a:t>9/26/2023</a:t>
+              <a:t>9/27/2023</a:t>
             </a:fld>
             <a:endParaRPr lang="en-US" dirty="0"/>
           </a:p>
@@ -6290,7 +6299,7 @@
           <a:lstStyle/>
           <a:p>
             <a:r>
-              <a:rPr lang="en-US" smtClean="0"/>
+              <a:rPr lang="en-US"/>
               <a:t>Click to edit Master title style</a:t>
             </a:r>
             <a:endParaRPr lang="en-US" dirty="0"/>
@@ -6319,35 +6328,35 @@
           <a:p>
             <a:pPr lvl="0"/>
             <a:r>
-              <a:rPr lang="en-US" smtClean="0"/>
+              <a:rPr lang="en-US"/>
               <a:t>Edit Master text styles</a:t>
             </a:r>
           </a:p>
           <a:p>
             <a:pPr lvl="1"/>
             <a:r>
-              <a:rPr lang="en-US" smtClean="0"/>
+              <a:rPr lang="en-US"/>
               <a:t>Second level</a:t>
             </a:r>
           </a:p>
           <a:p>
             <a:pPr lvl="2"/>
             <a:r>
-              <a:rPr lang="en-US" smtClean="0"/>
+              <a:rPr lang="en-US"/>
               <a:t>Third level</a:t>
             </a:r>
           </a:p>
           <a:p>
             <a:pPr lvl="3"/>
             <a:r>
-              <a:rPr lang="en-US" smtClean="0"/>
+              <a:rPr lang="en-US"/>
               <a:t>Fourth level</a:t>
             </a:r>
           </a:p>
           <a:p>
             <a:pPr lvl="4"/>
             <a:r>
-              <a:rPr lang="en-US" smtClean="0"/>
+              <a:rPr lang="en-US"/>
               <a:t>Fifth level</a:t>
             </a:r>
             <a:endParaRPr lang="en-US" dirty="0"/>
@@ -6376,7 +6385,7 @@
           <a:p>
             <a:fld id="{53086D93-FCAC-47E0-A2EE-787E62CA814C}" type="datetimeFigureOut">
               <a:rPr lang="en-US" dirty="0"/>
-              <a:t>9/26/2023</a:t>
+              <a:t>9/27/2023</a:t>
             </a:fld>
             <a:endParaRPr lang="en-US" dirty="0"/>
           </a:p>
@@ -7258,7 +7267,7 @@
           <a:lstStyle/>
           <a:p>
             <a:r>
-              <a:rPr lang="en-US" smtClean="0"/>
+              <a:rPr lang="en-US"/>
               <a:t>Click to edit Master title style</a:t>
             </a:r>
             <a:endParaRPr lang="en-US" dirty="0"/>
@@ -7287,35 +7296,35 @@
           <a:p>
             <a:pPr lvl="0"/>
             <a:r>
-              <a:rPr lang="en-US" smtClean="0"/>
+              <a:rPr lang="en-US"/>
               <a:t>Edit Master text styles</a:t>
             </a:r>
           </a:p>
           <a:p>
             <a:pPr lvl="1"/>
             <a:r>
-              <a:rPr lang="en-US" smtClean="0"/>
+              <a:rPr lang="en-US"/>
               <a:t>Second level</a:t>
             </a:r>
           </a:p>
           <a:p>
             <a:pPr lvl="2"/>
             <a:r>
-              <a:rPr lang="en-US" smtClean="0"/>
+              <a:rPr lang="en-US"/>
               <a:t>Third level</a:t>
             </a:r>
           </a:p>
           <a:p>
             <a:pPr lvl="3"/>
             <a:r>
-              <a:rPr lang="en-US" smtClean="0"/>
+              <a:rPr lang="en-US"/>
               <a:t>Fourth level</a:t>
             </a:r>
           </a:p>
           <a:p>
             <a:pPr lvl="4"/>
             <a:r>
-              <a:rPr lang="en-US" smtClean="0"/>
+              <a:rPr lang="en-US"/>
               <a:t>Fifth level</a:t>
             </a:r>
             <a:endParaRPr lang="en-US" dirty="0"/>
@@ -7344,7 +7353,7 @@
           <a:p>
             <a:fld id="{CDA879A6-0FD0-4734-A311-86BFCA472E6E}" type="datetimeFigureOut">
               <a:rPr lang="en-US" dirty="0"/>
-              <a:t>9/26/2023</a:t>
+              <a:t>9/27/2023</a:t>
             </a:fld>
             <a:endParaRPr lang="en-US" dirty="0"/>
           </a:p>
@@ -7470,7 +7479,7 @@
           <a:lstStyle/>
           <a:p>
             <a:r>
-              <a:rPr lang="en-US" smtClean="0"/>
+              <a:rPr lang="en-US"/>
               <a:t>Click to edit Master title style</a:t>
             </a:r>
             <a:endParaRPr lang="en-US" dirty="0"/>
@@ -7499,35 +7508,35 @@
           <a:p>
             <a:pPr lvl="0"/>
             <a:r>
-              <a:rPr lang="en-US" smtClean="0"/>
+              <a:rPr lang="en-US"/>
               <a:t>Edit Master text styles</a:t>
             </a:r>
           </a:p>
           <a:p>
             <a:pPr lvl="1"/>
             <a:r>
-              <a:rPr lang="en-US" smtClean="0"/>
+              <a:rPr lang="en-US"/>
               <a:t>Second level</a:t>
             </a:r>
           </a:p>
           <a:p>
             <a:pPr lvl="2"/>
             <a:r>
-              <a:rPr lang="en-US" smtClean="0"/>
+              <a:rPr lang="en-US"/>
               <a:t>Third level</a:t>
             </a:r>
           </a:p>
           <a:p>
             <a:pPr lvl="3"/>
             <a:r>
-              <a:rPr lang="en-US" smtClean="0"/>
+              <a:rPr lang="en-US"/>
               <a:t>Fourth level</a:t>
             </a:r>
           </a:p>
           <a:p>
             <a:pPr lvl="4"/>
             <a:r>
-              <a:rPr lang="en-US" smtClean="0"/>
+              <a:rPr lang="en-US"/>
               <a:t>Fifth level</a:t>
             </a:r>
             <a:endParaRPr lang="en-US" dirty="0"/>
@@ -7551,7 +7560,7 @@
           <a:p>
             <a:fld id="{19C9CA7B-DFD4-44B5-8C60-D14B8CD1FB59}" type="datetimeFigureOut">
               <a:rPr lang="en-US" dirty="0"/>
-              <a:t>9/26/2023</a:t>
+              <a:t>9/27/2023</a:t>
             </a:fld>
             <a:endParaRPr lang="en-US" dirty="0"/>
           </a:p>
@@ -8437,7 +8446,7 @@
           </a:lstStyle>
           <a:p>
             <a:r>
-              <a:rPr lang="en-US" smtClean="0"/>
+              <a:rPr lang="en-US"/>
               <a:t>Click to edit Master title style</a:t>
             </a:r>
             <a:endParaRPr lang="en-US" dirty="0"/>
@@ -8558,7 +8567,7 @@
           <a:p>
             <a:pPr lvl="0"/>
             <a:r>
-              <a:rPr lang="en-US" smtClean="0"/>
+              <a:rPr lang="en-US"/>
               <a:t>Edit Master text styles</a:t>
             </a:r>
           </a:p>
@@ -8581,7 +8590,7 @@
           <a:p>
             <a:fld id="{F34E6425-0181-43F2-84FC-787E803FD2F8}" type="datetimeFigureOut">
               <a:rPr lang="en-US" dirty="0"/>
-              <a:t>9/26/2023</a:t>
+              <a:t>9/27/2023</a:t>
             </a:fld>
             <a:endParaRPr lang="en-US" dirty="0"/>
           </a:p>
@@ -8707,7 +8716,7 @@
           <a:lstStyle/>
           <a:p>
             <a:r>
-              <a:rPr lang="en-US" smtClean="0"/>
+              <a:rPr lang="en-US"/>
               <a:t>Click to edit Master title style</a:t>
             </a:r>
             <a:endParaRPr lang="en-US" dirty="0"/>
@@ -8738,35 +8747,35 @@
           <a:p>
             <a:pPr lvl="0"/>
             <a:r>
-              <a:rPr lang="en-US" smtClean="0"/>
+              <a:rPr lang="en-US"/>
               <a:t>Edit Master text styles</a:t>
             </a:r>
           </a:p>
           <a:p>
             <a:pPr lvl="1"/>
             <a:r>
-              <a:rPr lang="en-US" smtClean="0"/>
+              <a:rPr lang="en-US"/>
               <a:t>Second level</a:t>
             </a:r>
           </a:p>
           <a:p>
             <a:pPr lvl="2"/>
             <a:r>
-              <a:rPr lang="en-US" smtClean="0"/>
+              <a:rPr lang="en-US"/>
               <a:t>Third level</a:t>
             </a:r>
           </a:p>
           <a:p>
             <a:pPr lvl="3"/>
             <a:r>
-              <a:rPr lang="en-US" smtClean="0"/>
+              <a:rPr lang="en-US"/>
               <a:t>Fourth level</a:t>
             </a:r>
           </a:p>
           <a:p>
             <a:pPr lvl="4"/>
             <a:r>
-              <a:rPr lang="en-US" smtClean="0"/>
+              <a:rPr lang="en-US"/>
               <a:t>Fifth level</a:t>
             </a:r>
             <a:endParaRPr lang="en-US" dirty="0"/>
@@ -8797,35 +8806,35 @@
           <a:p>
             <a:pPr lvl="0"/>
             <a:r>
-              <a:rPr lang="en-US" smtClean="0"/>
+              <a:rPr lang="en-US"/>
               <a:t>Edit Master text styles</a:t>
             </a:r>
           </a:p>
           <a:p>
             <a:pPr lvl="1"/>
             <a:r>
-              <a:rPr lang="en-US" smtClean="0"/>
+              <a:rPr lang="en-US"/>
               <a:t>Second level</a:t>
             </a:r>
           </a:p>
           <a:p>
             <a:pPr lvl="2"/>
             <a:r>
-              <a:rPr lang="en-US" smtClean="0"/>
+              <a:rPr lang="en-US"/>
               <a:t>Third level</a:t>
             </a:r>
           </a:p>
           <a:p>
             <a:pPr lvl="3"/>
             <a:r>
-              <a:rPr lang="en-US" smtClean="0"/>
+              <a:rPr lang="en-US"/>
               <a:t>Fourth level</a:t>
             </a:r>
           </a:p>
           <a:p>
             <a:pPr lvl="4"/>
             <a:r>
-              <a:rPr lang="en-US" smtClean="0"/>
+              <a:rPr lang="en-US"/>
               <a:t>Fifth level</a:t>
             </a:r>
             <a:endParaRPr lang="en-US" dirty="0"/>
@@ -8849,7 +8858,7 @@
           <a:p>
             <a:fld id="{3BDB8791-F1B0-41E7-B7FD-A781E65C4266}" type="datetimeFigureOut">
               <a:rPr lang="en-US" dirty="0"/>
-              <a:t>9/26/2023</a:t>
+              <a:t>9/27/2023</a:t>
             </a:fld>
             <a:endParaRPr lang="en-US" dirty="0"/>
           </a:p>
@@ -8943,7 +8952,7 @@
           </a:lstStyle>
           <a:p>
             <a:r>
-              <a:rPr lang="en-US" smtClean="0"/>
+              <a:rPr lang="en-US"/>
               <a:t>Click to edit Master title style</a:t>
             </a:r>
             <a:endParaRPr lang="en-US" dirty="0"/>
@@ -9015,7 +9024,7 @@
           <a:p>
             <a:pPr lvl="0"/>
             <a:r>
-              <a:rPr lang="en-US" smtClean="0"/>
+              <a:rPr lang="en-US"/>
               <a:t>Edit Master text styles</a:t>
             </a:r>
           </a:p>
@@ -9045,35 +9054,35 @@
           <a:p>
             <a:pPr lvl="0"/>
             <a:r>
-              <a:rPr lang="en-US" smtClean="0"/>
+              <a:rPr lang="en-US"/>
               <a:t>Edit Master text styles</a:t>
             </a:r>
           </a:p>
           <a:p>
             <a:pPr lvl="1"/>
             <a:r>
-              <a:rPr lang="en-US" smtClean="0"/>
+              <a:rPr lang="en-US"/>
               <a:t>Second level</a:t>
             </a:r>
           </a:p>
           <a:p>
             <a:pPr lvl="2"/>
             <a:r>
-              <a:rPr lang="en-US" smtClean="0"/>
+              <a:rPr lang="en-US"/>
               <a:t>Third level</a:t>
             </a:r>
           </a:p>
           <a:p>
             <a:pPr lvl="3"/>
             <a:r>
-              <a:rPr lang="en-US" smtClean="0"/>
+              <a:rPr lang="en-US"/>
               <a:t>Fourth level</a:t>
             </a:r>
           </a:p>
           <a:p>
             <a:pPr lvl="4"/>
             <a:r>
-              <a:rPr lang="en-US" smtClean="0"/>
+              <a:rPr lang="en-US"/>
               <a:t>Fifth level</a:t>
             </a:r>
             <a:endParaRPr lang="en-US" dirty="0"/>
@@ -9145,7 +9154,7 @@
           <a:p>
             <a:pPr lvl="0"/>
             <a:r>
-              <a:rPr lang="en-US" smtClean="0"/>
+              <a:rPr lang="en-US"/>
               <a:t>Edit Master text styles</a:t>
             </a:r>
           </a:p>
@@ -9203,35 +9212,35 @@
           <a:p>
             <a:pPr lvl="0"/>
             <a:r>
-              <a:rPr lang="en-US" smtClean="0"/>
+              <a:rPr lang="en-US"/>
               <a:t>Edit Master text styles</a:t>
             </a:r>
           </a:p>
           <a:p>
             <a:pPr lvl="1"/>
             <a:r>
-              <a:rPr lang="en-US" smtClean="0"/>
+              <a:rPr lang="en-US"/>
               <a:t>Second level</a:t>
             </a:r>
           </a:p>
           <a:p>
             <a:pPr lvl="2"/>
             <a:r>
-              <a:rPr lang="en-US" smtClean="0"/>
+              <a:rPr lang="en-US"/>
               <a:t>Third level</a:t>
             </a:r>
           </a:p>
           <a:p>
             <a:pPr lvl="3"/>
             <a:r>
-              <a:rPr lang="en-US" smtClean="0"/>
+              <a:rPr lang="en-US"/>
               <a:t>Fourth level</a:t>
             </a:r>
           </a:p>
           <a:p>
             <a:pPr lvl="4"/>
             <a:r>
-              <a:rPr lang="en-US" smtClean="0"/>
+              <a:rPr lang="en-US"/>
               <a:t>Fifth level</a:t>
             </a:r>
             <a:endParaRPr lang="en-US" dirty="0"/>
@@ -9255,7 +9264,7 @@
           <a:p>
             <a:fld id="{5FDD63B2-E120-4ED8-B27B-C685F510A5FE}" type="datetimeFigureOut">
               <a:rPr lang="en-US" dirty="0"/>
-              <a:t>9/26/2023</a:t>
+              <a:t>9/27/2023</a:t>
             </a:fld>
             <a:endParaRPr lang="en-US" dirty="0"/>
           </a:p>
@@ -9354,7 +9363,7 @@
           </a:lstStyle>
           <a:p>
             <a:r>
-              <a:rPr lang="en-US" smtClean="0"/>
+              <a:rPr lang="en-US"/>
               <a:t>Click to edit Master title style</a:t>
             </a:r>
             <a:endParaRPr lang="en-US" dirty="0"/>
@@ -9378,7 +9387,7 @@
           <a:p>
             <a:fld id="{7AA18ACC-A947-437B-A130-35BD54FDF1E9}" type="datetimeFigureOut">
               <a:rPr lang="en-US" dirty="0"/>
-              <a:t>9/26/2023</a:t>
+              <a:t>9/27/2023</a:t>
             </a:fld>
             <a:endParaRPr lang="en-US" dirty="0"/>
           </a:p>
@@ -9469,7 +9478,7 @@
           <a:p>
             <a:fld id="{7C8D7E02-BCB8-4D50-A234-369438C08659}" type="datetimeFigureOut">
               <a:rPr lang="en-US" dirty="0"/>
-              <a:t>9/26/2023</a:t>
+              <a:t>9/27/2023</a:t>
             </a:fld>
             <a:endParaRPr lang="en-US" dirty="0"/>
           </a:p>
@@ -10391,7 +10400,7 @@
           </a:lstStyle>
           <a:p>
             <a:r>
-              <a:rPr lang="en-US" smtClean="0"/>
+              <a:rPr lang="en-US"/>
               <a:t>Click to edit Master title style</a:t>
             </a:r>
             <a:endParaRPr lang="en-US" dirty="0"/>
@@ -10422,35 +10431,35 @@
           <a:p>
             <a:pPr lvl="0"/>
             <a:r>
-              <a:rPr lang="en-US" smtClean="0"/>
+              <a:rPr lang="en-US"/>
               <a:t>Edit Master text styles</a:t>
             </a:r>
           </a:p>
           <a:p>
             <a:pPr lvl="1"/>
             <a:r>
-              <a:rPr lang="en-US" smtClean="0"/>
+              <a:rPr lang="en-US"/>
               <a:t>Second level</a:t>
             </a:r>
           </a:p>
           <a:p>
             <a:pPr lvl="2"/>
             <a:r>
-              <a:rPr lang="en-US" smtClean="0"/>
+              <a:rPr lang="en-US"/>
               <a:t>Third level</a:t>
             </a:r>
           </a:p>
           <a:p>
             <a:pPr lvl="3"/>
             <a:r>
-              <a:rPr lang="en-US" smtClean="0"/>
+              <a:rPr lang="en-US"/>
               <a:t>Fourth level</a:t>
             </a:r>
           </a:p>
           <a:p>
             <a:pPr lvl="4"/>
             <a:r>
-              <a:rPr lang="en-US" smtClean="0"/>
+              <a:rPr lang="en-US"/>
               <a:t>Fifth level</a:t>
             </a:r>
             <a:endParaRPr lang="en-US" dirty="0"/>
@@ -10523,7 +10532,7 @@
           <a:p>
             <a:pPr lvl="0"/>
             <a:r>
-              <a:rPr lang="en-US" smtClean="0"/>
+              <a:rPr lang="en-US"/>
               <a:t>Edit Master text styles</a:t>
             </a:r>
           </a:p>
@@ -10546,7 +10555,7 @@
           <a:p>
             <a:fld id="{76E86A4C-8E40-4F87-A4F0-01A0687C5742}" type="datetimeFigureOut">
               <a:rPr lang="en-US" dirty="0"/>
-              <a:t>9/26/2023</a:t>
+              <a:t>9/27/2023</a:t>
             </a:fld>
             <a:endParaRPr lang="en-US" dirty="0"/>
           </a:p>
@@ -11470,7 +11479,7 @@
           </a:lstStyle>
           <a:p>
             <a:r>
-              <a:rPr lang="en-US" smtClean="0"/>
+              <a:rPr lang="en-US"/>
               <a:t>Click to edit Master title style</a:t>
             </a:r>
             <a:endParaRPr lang="en-US" dirty="0"/>
@@ -11552,7 +11561,7 @@
               <a:buNone/>
             </a:pPr>
             <a:r>
-              <a:rPr lang="en-US" smtClean="0"/>
+              <a:rPr lang="en-US"/>
               <a:t>Click icon to add picture</a:t>
             </a:r>
             <a:endParaRPr lang="en-US" dirty="0"/>
@@ -11627,7 +11636,7 @@
           <a:p>
             <a:pPr lvl="0"/>
             <a:r>
-              <a:rPr lang="en-US" smtClean="0"/>
+              <a:rPr lang="en-US"/>
               <a:t>Edit Master text styles</a:t>
             </a:r>
           </a:p>
@@ -11650,7 +11659,7 @@
           <a:p>
             <a:fld id="{35E72C73-2D91-4E12-BA25-F0AA0C03599B}" type="datetimeFigureOut">
               <a:rPr lang="en-US" dirty="0"/>
-              <a:t>9/26/2023</a:t>
+              <a:t>9/27/2023</a:t>
             </a:fld>
             <a:endParaRPr lang="en-US" dirty="0"/>
           </a:p>
@@ -12541,7 +12550,7 @@
           <a:lstStyle/>
           <a:p>
             <a:r>
-              <a:rPr lang="en-US" smtClean="0"/>
+              <a:rPr lang="en-US"/>
               <a:t>Click to edit Master title style</a:t>
             </a:r>
             <a:endParaRPr lang="en-US" dirty="0"/>
@@ -12575,35 +12584,35 @@
           <a:p>
             <a:pPr lvl="0"/>
             <a:r>
-              <a:rPr lang="en-US" smtClean="0"/>
+              <a:rPr lang="en-US"/>
               <a:t>Edit Master text styles</a:t>
             </a:r>
           </a:p>
           <a:p>
             <a:pPr lvl="1"/>
             <a:r>
-              <a:rPr lang="en-US" smtClean="0"/>
+              <a:rPr lang="en-US"/>
               <a:t>Second level</a:t>
             </a:r>
           </a:p>
           <a:p>
             <a:pPr lvl="2"/>
             <a:r>
-              <a:rPr lang="en-US" smtClean="0"/>
+              <a:rPr lang="en-US"/>
               <a:t>Third level</a:t>
             </a:r>
           </a:p>
           <a:p>
             <a:pPr lvl="3"/>
             <a:r>
-              <a:rPr lang="en-US" smtClean="0"/>
+              <a:rPr lang="en-US"/>
               <a:t>Fourth level</a:t>
             </a:r>
           </a:p>
           <a:p>
             <a:pPr lvl="4"/>
             <a:r>
-              <a:rPr lang="en-US" smtClean="0"/>
+              <a:rPr lang="en-US"/>
               <a:t>Fifth level</a:t>
             </a:r>
             <a:endParaRPr lang="en-US" dirty="0"/>
@@ -12643,7 +12652,7 @@
           <a:p>
             <a:fld id="{2BE451C3-0FF4-47C4-B829-773ADF60F88C}" type="datetimeFigureOut">
               <a:rPr lang="en-US" dirty="0"/>
-              <a:t>9/26/2023</a:t>
+              <a:t>9/27/2023</a:t>
             </a:fld>
             <a:endParaRPr lang="en-US" dirty="0"/>
           </a:p>
@@ -13215,7 +13224,7 @@
           <a:lstStyle/>
           <a:p>
             <a:r>
-              <a:rPr lang="en-US" dirty="0" smtClean="0"/>
+              <a:rPr lang="en-US" dirty="0"/>
               <a:t>ATM Banking Project</a:t>
             </a:r>
             <a:endParaRPr lang="en-IN" dirty="0"/>
@@ -13238,31 +13247,31 @@
           <a:lstStyle/>
           <a:p>
             <a:r>
-              <a:rPr lang="en-US" dirty="0" smtClean="0"/>
+              <a:rPr lang="en-US" dirty="0"/>
               <a:t>Using </a:t>
             </a:r>
             <a:r>
-              <a:rPr lang="en-US" dirty="0" err="1" smtClean="0"/>
+              <a:rPr lang="en-US" dirty="0" err="1"/>
               <a:t>.Net</a:t>
             </a:r>
             <a:r>
-              <a:rPr lang="en-US" dirty="0" smtClean="0"/>
+              <a:rPr lang="en-US" dirty="0"/>
               <a:t> Framework, </a:t>
             </a:r>
             <a:r>
-              <a:rPr lang="en-US" dirty="0" err="1" smtClean="0"/>
+              <a:rPr lang="en-US" dirty="0" err="1"/>
               <a:t>Reactjs</a:t>
             </a:r>
             <a:r>
-              <a:rPr lang="en-US" dirty="0" smtClean="0"/>
+              <a:rPr lang="en-US" dirty="0"/>
               <a:t> and </a:t>
             </a:r>
             <a:r>
-              <a:rPr lang="en-US" dirty="0" err="1" smtClean="0"/>
+              <a:rPr lang="en-US" dirty="0" err="1"/>
               <a:t>mssql</a:t>
             </a:r>
             <a:r>
-              <a:rPr lang="en-US" dirty="0" smtClean="0"/>
+              <a:rPr lang="en-US" dirty="0"/>
               <a:t> server</a:t>
             </a:r>
             <a:endParaRPr lang="en-IN" dirty="0"/>
@@ -13291,13 +13300,6 @@
       </p:transition>
     </mc:Fallback>
   </mc:AlternateContent>
-  <p:timing>
-    <p:tnLst>
-      <p:par>
-        <p:cTn id="1" dur="indefinite" restart="never" nodeType="tmRoot"/>
-      </p:par>
-    </p:tnLst>
-  </p:timing>
 </p:sld>
 </file>
 
@@ -13334,25 +13336,45 @@
           <a:lstStyle/>
           <a:p>
             <a:r>
-              <a:rPr lang="en-US" smtClean="0"/>
-              <a:t>sample</a:t>
+              <a:rPr lang="en-US" dirty="0"/>
+              <a:t>Sign In page</a:t>
             </a:r>
             <a:endParaRPr lang="en-IN" dirty="0"/>
           </a:p>
         </p:txBody>
       </p:sp>
-      <p:sp>
-        <p:nvSpPr>
-          <p:cNvPr id="3" name="Picture Placeholder 2"/>
-          <p:cNvSpPr>
-            <a:spLocks noGrp="1"/>
-          </p:cNvSpPr>
+      <p:pic>
+        <p:nvPicPr>
+          <p:cNvPr id="6" name="Picture Placeholder 5">
+            <a:extLst>
+              <a:ext uri="{FF2B5EF4-FFF2-40B4-BE49-F238E27FC236}">
+                <a16:creationId xmlns:a16="http://schemas.microsoft.com/office/drawing/2014/main" id="{F5F54807-91CD-48B7-BE3C-4F13F14C29F0}"/>
+              </a:ext>
+            </a:extLst>
+          </p:cNvPr>
+          <p:cNvPicPr>
+            <a:picLocks noGrp="1" noChangeAspect="1"/>
+          </p:cNvPicPr>
           <p:nvPr>
             <p:ph type="pic" idx="1"/>
           </p:nvPr>
-        </p:nvSpPr>
-        <p:spPr/>
-      </p:sp>
+        </p:nvPicPr>
+        <p:blipFill>
+          <a:blip r:embed="rId2"/>
+          <a:stretch>
+            <a:fillRect/>
+          </a:stretch>
+        </p:blipFill>
+        <p:spPr>
+          <a:xfrm>
+            <a:off x="919089" y="518372"/>
+            <a:ext cx="10353821" cy="3772762"/>
+          </a:xfrm>
+          <a:prstGeom prst="rect">
+            <a:avLst/>
+          </a:prstGeom>
+        </p:spPr>
+      </p:pic>
       <p:sp>
         <p:nvSpPr>
           <p:cNvPr id="4" name="Text Placeholder 3"/>
@@ -13368,7 +13390,10 @@
           <a:bodyPr/>
           <a:lstStyle/>
           <a:p>
-            <a:endParaRPr lang="en-IN" dirty="0"/>
+            <a:r>
+              <a:rPr lang="en-IN" dirty="0"/>
+              <a:t>Visible to all users when not logged in</a:t>
+            </a:r>
           </a:p>
         </p:txBody>
       </p:sp>
@@ -13418,7 +13443,7 @@
                             </p:stCondLst>
                             <p:childTnLst>
                               <p:par>
-                                <p:cTn id="5" presetID="10" presetClass="entr" presetSubtype="0" fill="hold" nodeType="afterEffect">
+                                <p:cTn id="5" presetID="42" presetClass="entr" presetSubtype="0" fill="hold" grpId="0" nodeType="afterEffect">
                                   <p:stCondLst>
                                     <p:cond delay="0"/>
                                   </p:stCondLst>
@@ -13426,50 +13451,6 @@
                                     <p:set>
                                       <p:cBhvr>
                                         <p:cTn id="6" dur="1" fill="hold">
-                                          <p:stCondLst>
-                                            <p:cond delay="0"/>
-                                          </p:stCondLst>
-                                        </p:cTn>
-                                        <p:tgtEl>
-                                          <p:spTgt spid="3"/>
-                                        </p:tgtEl>
-                                        <p:attrNameLst>
-                                          <p:attrName>style.visibility</p:attrName>
-                                        </p:attrNameLst>
-                                      </p:cBhvr>
-                                      <p:to>
-                                        <p:strVal val="visible"/>
-                                      </p:to>
-                                    </p:set>
-                                    <p:animEffect transition="in" filter="fade">
-                                      <p:cBhvr>
-                                        <p:cTn id="7" dur="500"/>
-                                        <p:tgtEl>
-                                          <p:spTgt spid="3"/>
-                                        </p:tgtEl>
-                                      </p:cBhvr>
-                                    </p:animEffect>
-                                  </p:childTnLst>
-                                </p:cTn>
-                              </p:par>
-                            </p:childTnLst>
-                          </p:cTn>
-                        </p:par>
-                        <p:par>
-                          <p:cTn id="8" fill="hold">
-                            <p:stCondLst>
-                              <p:cond delay="500"/>
-                            </p:stCondLst>
-                            <p:childTnLst>
-                              <p:par>
-                                <p:cTn id="9" presetID="42" presetClass="entr" presetSubtype="0" fill="hold" grpId="0" nodeType="afterEffect">
-                                  <p:stCondLst>
-                                    <p:cond delay="0"/>
-                                  </p:stCondLst>
-                                  <p:childTnLst>
-                                    <p:set>
-                                      <p:cBhvr>
-                                        <p:cTn id="10" dur="1" fill="hold">
                                           <p:stCondLst>
                                             <p:cond delay="0"/>
                                           </p:stCondLst>
@@ -13487,7 +13468,7 @@
                                     </p:set>
                                     <p:animEffect transition="in" filter="fade">
                                       <p:cBhvr>
-                                        <p:cTn id="11" dur="1000"/>
+                                        <p:cTn id="7" dur="1000"/>
                                         <p:tgtEl>
                                           <p:spTgt spid="2"/>
                                         </p:tgtEl>
@@ -13495,7 +13476,7 @@
                                     </p:animEffect>
                                     <p:anim calcmode="lin" valueType="num">
                                       <p:cBhvr>
-                                        <p:cTn id="12" dur="1000" fill="hold"/>
+                                        <p:cTn id="8" dur="1000" fill="hold"/>
                                         <p:tgtEl>
                                           <p:spTgt spid="2"/>
                                         </p:tgtEl>
@@ -13518,7 +13499,7 @@
                                     </p:anim>
                                     <p:anim calcmode="lin" valueType="num">
                                       <p:cBhvr>
-                                        <p:cTn id="13" dur="1000" fill="hold"/>
+                                        <p:cTn id="9" dur="1000" fill="hold"/>
                                         <p:tgtEl>
                                           <p:spTgt spid="2"/>
                                         </p:tgtEl>
@@ -13543,19 +13524,14 @@
                                 </p:cTn>
                               </p:par>
                               <p:par>
-                                <p:cTn id="14" presetID="42" presetClass="entr" presetSubtype="0" fill="hold" grpId="0" nodeType="withEffect" nodePh="1">
+                                <p:cTn id="10" presetID="42" presetClass="entr" presetSubtype="0" fill="hold" grpId="0" nodeType="withEffect">
                                   <p:stCondLst>
                                     <p:cond delay="0"/>
                                   </p:stCondLst>
-                                  <p:endCondLst>
-                                    <p:cond evt="begin" delay="0">
-                                      <p:tn val="14"/>
-                                    </p:cond>
-                                  </p:endCondLst>
                                   <p:childTnLst>
                                     <p:set>
                                       <p:cBhvr>
-                                        <p:cTn id="15" dur="1" fill="hold">
+                                        <p:cTn id="11" dur="1" fill="hold">
                                           <p:stCondLst>
                                             <p:cond delay="0"/>
                                           </p:stCondLst>
@@ -13577,7 +13553,7 @@
                                     </p:set>
                                     <p:animEffect transition="in" filter="fade">
                                       <p:cBhvr>
-                                        <p:cTn id="16" dur="1000"/>
+                                        <p:cTn id="12" dur="1000"/>
                                         <p:tgtEl>
                                           <p:spTgt spid="4">
                                             <p:txEl>
@@ -13589,7 +13565,7 @@
                                     </p:animEffect>
                                     <p:anim calcmode="lin" valueType="num">
                                       <p:cBhvr>
-                                        <p:cTn id="17" dur="1000" fill="hold"/>
+                                        <p:cTn id="13" dur="1000" fill="hold"/>
                                         <p:tgtEl>
                                           <p:spTgt spid="4">
                                             <p:txEl>
@@ -13616,7 +13592,7 @@
                                     </p:anim>
                                     <p:anim calcmode="lin" valueType="num">
                                       <p:cBhvr>
-                                        <p:cTn id="18" dur="1000" fill="hold"/>
+                                        <p:cTn id="14" dur="1000" fill="hold"/>
                                         <p:tgtEl>
                                           <p:spTgt spid="4">
                                             <p:txEl>
@@ -13712,21 +13688,53 @@
           <a:lstStyle/>
           <a:p>
             <a:r>
-              <a:rPr lang="en-US" dirty="0" smtClean="0"/>
-              <a:t>Thank You</a:t>
+              <a:rPr lang="en-US" dirty="0"/>
+              <a:t>Create a new user page</a:t>
             </a:r>
             <a:endParaRPr lang="en-IN" dirty="0"/>
           </a:p>
         </p:txBody>
       </p:sp>
+      <p:pic>
+        <p:nvPicPr>
+          <p:cNvPr id="6" name="Picture Placeholder 5">
+            <a:extLst>
+              <a:ext uri="{FF2B5EF4-FFF2-40B4-BE49-F238E27FC236}">
+                <a16:creationId xmlns:a16="http://schemas.microsoft.com/office/drawing/2014/main" id="{F5F54807-91CD-48B7-BE3C-4F13F14C29F0}"/>
+              </a:ext>
+            </a:extLst>
+          </p:cNvPr>
+          <p:cNvPicPr>
+            <a:picLocks noGrp="1" noChangeAspect="1"/>
+          </p:cNvPicPr>
+          <p:nvPr>
+            <p:ph type="pic" idx="1"/>
+          </p:nvPr>
+        </p:nvPicPr>
+        <p:blipFill>
+          <a:blip r:embed="rId2"/>
+          <a:stretch>
+            <a:fillRect/>
+          </a:stretch>
+        </p:blipFill>
+        <p:spPr>
+          <a:xfrm>
+            <a:off x="949309" y="462101"/>
+            <a:ext cx="10293380" cy="3772762"/>
+          </a:xfrm>
+          <a:prstGeom prst="rect">
+            <a:avLst/>
+          </a:prstGeom>
+        </p:spPr>
+      </p:pic>
       <p:sp>
         <p:nvSpPr>
-          <p:cNvPr id="3" name="Text Placeholder 2"/>
+          <p:cNvPr id="4" name="Text Placeholder 3"/>
           <p:cNvSpPr>
             <a:spLocks noGrp="1"/>
           </p:cNvSpPr>
           <p:nvPr>
-            <p:ph type="body" idx="1"/>
+            <p:ph type="body" sz="half" idx="2"/>
           </p:nvPr>
         </p:nvSpPr>
         <p:spPr/>
@@ -13735,25 +13743,16 @@
           <a:lstStyle/>
           <a:p>
             <a:r>
-              <a:rPr lang="en-US" dirty="0" smtClean="0"/>
-              <a:t>Group 2, Batch 2 of </a:t>
+              <a:rPr lang="en-IN" dirty="0"/>
+              <a:t>Visible only to admin after logging in</a:t>
             </a:r>
-            <a:r>
-              <a:rPr lang="en-US" dirty="0" err="1" smtClean="0"/>
-              <a:t>.Net</a:t>
-            </a:r>
-            <a:r>
-              <a:rPr lang="en-US" dirty="0" smtClean="0"/>
-              <a:t> framework, Hyderabad</a:t>
-            </a:r>
-            <a:endParaRPr lang="en-IN" dirty="0"/>
           </a:p>
         </p:txBody>
       </p:sp>
     </p:spTree>
     <p:extLst>
       <p:ext uri="{BB962C8B-B14F-4D97-AF65-F5344CB8AC3E}">
-        <p14:creationId xmlns:p14="http://schemas.microsoft.com/office/powerpoint/2010/main" val="1380894707"/>
+        <p14:creationId xmlns:p14="http://schemas.microsoft.com/office/powerpoint/2010/main" val="252482631"/>
       </p:ext>
     </p:extLst>
   </p:cSld>
@@ -13775,9 +13774,3059 @@
   <p:timing>
     <p:tnLst>
       <p:par>
-        <p:cTn id="1" dur="indefinite" restart="never" nodeType="tmRoot"/>
+        <p:cTn id="1" dur="indefinite" restart="never" nodeType="tmRoot">
+          <p:childTnLst>
+            <p:seq concurrent="1" nextAc="seek">
+              <p:cTn id="2" dur="indefinite" nodeType="mainSeq">
+                <p:childTnLst>
+                  <p:par>
+                    <p:cTn id="3" fill="hold">
+                      <p:stCondLst>
+                        <p:cond delay="indefinite"/>
+                        <p:cond evt="onBegin" delay="0">
+                          <p:tn val="2"/>
+                        </p:cond>
+                      </p:stCondLst>
+                      <p:childTnLst>
+                        <p:par>
+                          <p:cTn id="4" fill="hold">
+                            <p:stCondLst>
+                              <p:cond delay="0"/>
+                            </p:stCondLst>
+                            <p:childTnLst>
+                              <p:par>
+                                <p:cTn id="5" presetID="42" presetClass="entr" presetSubtype="0" fill="hold" grpId="0" nodeType="afterEffect">
+                                  <p:stCondLst>
+                                    <p:cond delay="0"/>
+                                  </p:stCondLst>
+                                  <p:childTnLst>
+                                    <p:set>
+                                      <p:cBhvr>
+                                        <p:cTn id="6" dur="1" fill="hold">
+                                          <p:stCondLst>
+                                            <p:cond delay="0"/>
+                                          </p:stCondLst>
+                                        </p:cTn>
+                                        <p:tgtEl>
+                                          <p:spTgt spid="2"/>
+                                        </p:tgtEl>
+                                        <p:attrNameLst>
+                                          <p:attrName>style.visibility</p:attrName>
+                                        </p:attrNameLst>
+                                      </p:cBhvr>
+                                      <p:to>
+                                        <p:strVal val="visible"/>
+                                      </p:to>
+                                    </p:set>
+                                    <p:animEffect transition="in" filter="fade">
+                                      <p:cBhvr>
+                                        <p:cTn id="7" dur="1000"/>
+                                        <p:tgtEl>
+                                          <p:spTgt spid="2"/>
+                                        </p:tgtEl>
+                                      </p:cBhvr>
+                                    </p:animEffect>
+                                    <p:anim calcmode="lin" valueType="num">
+                                      <p:cBhvr>
+                                        <p:cTn id="8" dur="1000" fill="hold"/>
+                                        <p:tgtEl>
+                                          <p:spTgt spid="2"/>
+                                        </p:tgtEl>
+                                        <p:attrNameLst>
+                                          <p:attrName>ppt_x</p:attrName>
+                                        </p:attrNameLst>
+                                      </p:cBhvr>
+                                      <p:tavLst>
+                                        <p:tav tm="0">
+                                          <p:val>
+                                            <p:strVal val="#ppt_x"/>
+                                          </p:val>
+                                        </p:tav>
+                                        <p:tav tm="100000">
+                                          <p:val>
+                                            <p:strVal val="#ppt_x"/>
+                                          </p:val>
+                                        </p:tav>
+                                      </p:tavLst>
+                                    </p:anim>
+                                    <p:anim calcmode="lin" valueType="num">
+                                      <p:cBhvr>
+                                        <p:cTn id="9" dur="1000" fill="hold"/>
+                                        <p:tgtEl>
+                                          <p:spTgt spid="2"/>
+                                        </p:tgtEl>
+                                        <p:attrNameLst>
+                                          <p:attrName>ppt_y</p:attrName>
+                                        </p:attrNameLst>
+                                      </p:cBhvr>
+                                      <p:tavLst>
+                                        <p:tav tm="0">
+                                          <p:val>
+                                            <p:strVal val="#ppt_y+.1"/>
+                                          </p:val>
+                                        </p:tav>
+                                        <p:tav tm="100000">
+                                          <p:val>
+                                            <p:strVal val="#ppt_y"/>
+                                          </p:val>
+                                        </p:tav>
+                                      </p:tavLst>
+                                    </p:anim>
+                                  </p:childTnLst>
+                                </p:cTn>
+                              </p:par>
+                              <p:par>
+                                <p:cTn id="10" presetID="42" presetClass="entr" presetSubtype="0" fill="hold" grpId="0" nodeType="withEffect">
+                                  <p:stCondLst>
+                                    <p:cond delay="0"/>
+                                  </p:stCondLst>
+                                  <p:childTnLst>
+                                    <p:set>
+                                      <p:cBhvr>
+                                        <p:cTn id="11" dur="1" fill="hold">
+                                          <p:stCondLst>
+                                            <p:cond delay="0"/>
+                                          </p:stCondLst>
+                                        </p:cTn>
+                                        <p:tgtEl>
+                                          <p:spTgt spid="4">
+                                            <p:txEl>
+                                              <p:pRg st="0" end="0"/>
+                                            </p:txEl>
+                                          </p:spTgt>
+                                        </p:tgtEl>
+                                        <p:attrNameLst>
+                                          <p:attrName>style.visibility</p:attrName>
+                                        </p:attrNameLst>
+                                      </p:cBhvr>
+                                      <p:to>
+                                        <p:strVal val="visible"/>
+                                      </p:to>
+                                    </p:set>
+                                    <p:animEffect transition="in" filter="fade">
+                                      <p:cBhvr>
+                                        <p:cTn id="12" dur="1000"/>
+                                        <p:tgtEl>
+                                          <p:spTgt spid="4">
+                                            <p:txEl>
+                                              <p:pRg st="0" end="0"/>
+                                            </p:txEl>
+                                          </p:spTgt>
+                                        </p:tgtEl>
+                                      </p:cBhvr>
+                                    </p:animEffect>
+                                    <p:anim calcmode="lin" valueType="num">
+                                      <p:cBhvr>
+                                        <p:cTn id="13" dur="1000" fill="hold"/>
+                                        <p:tgtEl>
+                                          <p:spTgt spid="4">
+                                            <p:txEl>
+                                              <p:pRg st="0" end="0"/>
+                                            </p:txEl>
+                                          </p:spTgt>
+                                        </p:tgtEl>
+                                        <p:attrNameLst>
+                                          <p:attrName>ppt_x</p:attrName>
+                                        </p:attrNameLst>
+                                      </p:cBhvr>
+                                      <p:tavLst>
+                                        <p:tav tm="0">
+                                          <p:val>
+                                            <p:strVal val="#ppt_x"/>
+                                          </p:val>
+                                        </p:tav>
+                                        <p:tav tm="100000">
+                                          <p:val>
+                                            <p:strVal val="#ppt_x"/>
+                                          </p:val>
+                                        </p:tav>
+                                      </p:tavLst>
+                                    </p:anim>
+                                    <p:anim calcmode="lin" valueType="num">
+                                      <p:cBhvr>
+                                        <p:cTn id="14" dur="1000" fill="hold"/>
+                                        <p:tgtEl>
+                                          <p:spTgt spid="4">
+                                            <p:txEl>
+                                              <p:pRg st="0" end="0"/>
+                                            </p:txEl>
+                                          </p:spTgt>
+                                        </p:tgtEl>
+                                        <p:attrNameLst>
+                                          <p:attrName>ppt_y</p:attrName>
+                                        </p:attrNameLst>
+                                      </p:cBhvr>
+                                      <p:tavLst>
+                                        <p:tav tm="0">
+                                          <p:val>
+                                            <p:strVal val="#ppt_y+.1"/>
+                                          </p:val>
+                                        </p:tav>
+                                        <p:tav tm="100000">
+                                          <p:val>
+                                            <p:strVal val="#ppt_y"/>
+                                          </p:val>
+                                        </p:tav>
+                                      </p:tavLst>
+                                    </p:anim>
+                                  </p:childTnLst>
+                                </p:cTn>
+                              </p:par>
+                            </p:childTnLst>
+                          </p:cTn>
+                        </p:par>
+                      </p:childTnLst>
+                    </p:cTn>
+                  </p:par>
+                </p:childTnLst>
+              </p:cTn>
+              <p:prevCondLst>
+                <p:cond evt="onPrev" delay="0">
+                  <p:tgtEl>
+                    <p:sldTgt/>
+                  </p:tgtEl>
+                </p:cond>
+              </p:prevCondLst>
+              <p:nextCondLst>
+                <p:cond evt="onNext" delay="0">
+                  <p:tgtEl>
+                    <p:sldTgt/>
+                  </p:tgtEl>
+                </p:cond>
+              </p:nextCondLst>
+            </p:seq>
+          </p:childTnLst>
+        </p:cTn>
       </p:par>
     </p:tnLst>
+    <p:bldLst>
+      <p:bldP spid="2" grpId="0"/>
+      <p:bldP spid="4" grpId="0" build="p"/>
+    </p:bldLst>
+  </p:timing>
+</p:sld>
+</file>
+
+<file path=ppt/slides/slide12.xml><?xml version="1.0" encoding="utf-8"?>
+<p:sld xmlns:a="http://schemas.openxmlformats.org/drawingml/2006/main" xmlns:r="http://schemas.openxmlformats.org/officeDocument/2006/relationships" xmlns:p="http://schemas.openxmlformats.org/presentationml/2006/main">
+  <p:cSld>
+    <p:spTree>
+      <p:nvGrpSpPr>
+        <p:cNvPr id="1" name=""/>
+        <p:cNvGrpSpPr/>
+        <p:nvPr/>
+      </p:nvGrpSpPr>
+      <p:grpSpPr>
+        <a:xfrm>
+          <a:off x="0" y="0"/>
+          <a:ext cx="0" cy="0"/>
+          <a:chOff x="0" y="0"/>
+          <a:chExt cx="0" cy="0"/>
+        </a:xfrm>
+      </p:grpSpPr>
+      <p:sp>
+        <p:nvSpPr>
+          <p:cNvPr id="2" name="Title 1"/>
+          <p:cNvSpPr>
+            <a:spLocks noGrp="1"/>
+          </p:cNvSpPr>
+          <p:nvPr>
+            <p:ph type="title"/>
+          </p:nvPr>
+        </p:nvSpPr>
+        <p:spPr/>
+        <p:txBody>
+          <a:bodyPr/>
+          <a:lstStyle/>
+          <a:p>
+            <a:r>
+              <a:rPr lang="en-US" dirty="0"/>
+              <a:t>Create a new bank account page</a:t>
+            </a:r>
+            <a:endParaRPr lang="en-IN" dirty="0"/>
+          </a:p>
+        </p:txBody>
+      </p:sp>
+      <p:pic>
+        <p:nvPicPr>
+          <p:cNvPr id="6" name="Picture Placeholder 5">
+            <a:extLst>
+              <a:ext uri="{FF2B5EF4-FFF2-40B4-BE49-F238E27FC236}">
+                <a16:creationId xmlns:a16="http://schemas.microsoft.com/office/drawing/2014/main" id="{F5F54807-91CD-48B7-BE3C-4F13F14C29F0}"/>
+              </a:ext>
+            </a:extLst>
+          </p:cNvPr>
+          <p:cNvPicPr>
+            <a:picLocks noGrp="1" noChangeAspect="1"/>
+          </p:cNvPicPr>
+          <p:nvPr>
+            <p:ph type="pic" idx="1"/>
+          </p:nvPr>
+        </p:nvPicPr>
+        <p:blipFill>
+          <a:blip r:embed="rId2"/>
+          <a:stretch>
+            <a:fillRect/>
+          </a:stretch>
+        </p:blipFill>
+        <p:spPr>
+          <a:xfrm>
+            <a:off x="949309" y="469884"/>
+            <a:ext cx="10293380" cy="3757195"/>
+          </a:xfrm>
+          <a:prstGeom prst="rect">
+            <a:avLst/>
+          </a:prstGeom>
+        </p:spPr>
+      </p:pic>
+      <p:sp>
+        <p:nvSpPr>
+          <p:cNvPr id="4" name="Text Placeholder 3"/>
+          <p:cNvSpPr>
+            <a:spLocks noGrp="1"/>
+          </p:cNvSpPr>
+          <p:nvPr>
+            <p:ph type="body" sz="half" idx="2"/>
+          </p:nvPr>
+        </p:nvSpPr>
+        <p:spPr/>
+        <p:txBody>
+          <a:bodyPr/>
+          <a:lstStyle/>
+          <a:p>
+            <a:r>
+              <a:rPr lang="en-IN" dirty="0"/>
+              <a:t>Visible only to admin after logging in</a:t>
+            </a:r>
+          </a:p>
+        </p:txBody>
+      </p:sp>
+    </p:spTree>
+    <p:extLst>
+      <p:ext uri="{BB962C8B-B14F-4D97-AF65-F5344CB8AC3E}">
+        <p14:creationId xmlns:p14="http://schemas.microsoft.com/office/powerpoint/2010/main" val="4189851756"/>
+      </p:ext>
+    </p:extLst>
+  </p:cSld>
+  <p:clrMapOvr>
+    <a:masterClrMapping/>
+  </p:clrMapOvr>
+  <mc:AlternateContent xmlns:mc="http://schemas.openxmlformats.org/markup-compatibility/2006" xmlns:p14="http://schemas.microsoft.com/office/powerpoint/2010/main">
+    <mc:Choice Requires="p14">
+      <p:transition spd="slow" p14:dur="3400">
+        <p14:reveal/>
+      </p:transition>
+    </mc:Choice>
+    <mc:Fallback xmlns="">
+      <p:transition spd="slow">
+        <p:fade/>
+      </p:transition>
+    </mc:Fallback>
+  </mc:AlternateContent>
+  <p:timing>
+    <p:tnLst>
+      <p:par>
+        <p:cTn id="1" dur="indefinite" restart="never" nodeType="tmRoot">
+          <p:childTnLst>
+            <p:seq concurrent="1" nextAc="seek">
+              <p:cTn id="2" dur="indefinite" nodeType="mainSeq">
+                <p:childTnLst>
+                  <p:par>
+                    <p:cTn id="3" fill="hold">
+                      <p:stCondLst>
+                        <p:cond delay="indefinite"/>
+                        <p:cond evt="onBegin" delay="0">
+                          <p:tn val="2"/>
+                        </p:cond>
+                      </p:stCondLst>
+                      <p:childTnLst>
+                        <p:par>
+                          <p:cTn id="4" fill="hold">
+                            <p:stCondLst>
+                              <p:cond delay="0"/>
+                            </p:stCondLst>
+                            <p:childTnLst>
+                              <p:par>
+                                <p:cTn id="5" presetID="42" presetClass="entr" presetSubtype="0" fill="hold" grpId="0" nodeType="afterEffect">
+                                  <p:stCondLst>
+                                    <p:cond delay="0"/>
+                                  </p:stCondLst>
+                                  <p:childTnLst>
+                                    <p:set>
+                                      <p:cBhvr>
+                                        <p:cTn id="6" dur="1" fill="hold">
+                                          <p:stCondLst>
+                                            <p:cond delay="0"/>
+                                          </p:stCondLst>
+                                        </p:cTn>
+                                        <p:tgtEl>
+                                          <p:spTgt spid="2"/>
+                                        </p:tgtEl>
+                                        <p:attrNameLst>
+                                          <p:attrName>style.visibility</p:attrName>
+                                        </p:attrNameLst>
+                                      </p:cBhvr>
+                                      <p:to>
+                                        <p:strVal val="visible"/>
+                                      </p:to>
+                                    </p:set>
+                                    <p:animEffect transition="in" filter="fade">
+                                      <p:cBhvr>
+                                        <p:cTn id="7" dur="1000"/>
+                                        <p:tgtEl>
+                                          <p:spTgt spid="2"/>
+                                        </p:tgtEl>
+                                      </p:cBhvr>
+                                    </p:animEffect>
+                                    <p:anim calcmode="lin" valueType="num">
+                                      <p:cBhvr>
+                                        <p:cTn id="8" dur="1000" fill="hold"/>
+                                        <p:tgtEl>
+                                          <p:spTgt spid="2"/>
+                                        </p:tgtEl>
+                                        <p:attrNameLst>
+                                          <p:attrName>ppt_x</p:attrName>
+                                        </p:attrNameLst>
+                                      </p:cBhvr>
+                                      <p:tavLst>
+                                        <p:tav tm="0">
+                                          <p:val>
+                                            <p:strVal val="#ppt_x"/>
+                                          </p:val>
+                                        </p:tav>
+                                        <p:tav tm="100000">
+                                          <p:val>
+                                            <p:strVal val="#ppt_x"/>
+                                          </p:val>
+                                        </p:tav>
+                                      </p:tavLst>
+                                    </p:anim>
+                                    <p:anim calcmode="lin" valueType="num">
+                                      <p:cBhvr>
+                                        <p:cTn id="9" dur="1000" fill="hold"/>
+                                        <p:tgtEl>
+                                          <p:spTgt spid="2"/>
+                                        </p:tgtEl>
+                                        <p:attrNameLst>
+                                          <p:attrName>ppt_y</p:attrName>
+                                        </p:attrNameLst>
+                                      </p:cBhvr>
+                                      <p:tavLst>
+                                        <p:tav tm="0">
+                                          <p:val>
+                                            <p:strVal val="#ppt_y+.1"/>
+                                          </p:val>
+                                        </p:tav>
+                                        <p:tav tm="100000">
+                                          <p:val>
+                                            <p:strVal val="#ppt_y"/>
+                                          </p:val>
+                                        </p:tav>
+                                      </p:tavLst>
+                                    </p:anim>
+                                  </p:childTnLst>
+                                </p:cTn>
+                              </p:par>
+                              <p:par>
+                                <p:cTn id="10" presetID="42" presetClass="entr" presetSubtype="0" fill="hold" grpId="0" nodeType="withEffect">
+                                  <p:stCondLst>
+                                    <p:cond delay="0"/>
+                                  </p:stCondLst>
+                                  <p:childTnLst>
+                                    <p:set>
+                                      <p:cBhvr>
+                                        <p:cTn id="11" dur="1" fill="hold">
+                                          <p:stCondLst>
+                                            <p:cond delay="0"/>
+                                          </p:stCondLst>
+                                        </p:cTn>
+                                        <p:tgtEl>
+                                          <p:spTgt spid="4">
+                                            <p:txEl>
+                                              <p:pRg st="0" end="0"/>
+                                            </p:txEl>
+                                          </p:spTgt>
+                                        </p:tgtEl>
+                                        <p:attrNameLst>
+                                          <p:attrName>style.visibility</p:attrName>
+                                        </p:attrNameLst>
+                                      </p:cBhvr>
+                                      <p:to>
+                                        <p:strVal val="visible"/>
+                                      </p:to>
+                                    </p:set>
+                                    <p:animEffect transition="in" filter="fade">
+                                      <p:cBhvr>
+                                        <p:cTn id="12" dur="1000"/>
+                                        <p:tgtEl>
+                                          <p:spTgt spid="4">
+                                            <p:txEl>
+                                              <p:pRg st="0" end="0"/>
+                                            </p:txEl>
+                                          </p:spTgt>
+                                        </p:tgtEl>
+                                      </p:cBhvr>
+                                    </p:animEffect>
+                                    <p:anim calcmode="lin" valueType="num">
+                                      <p:cBhvr>
+                                        <p:cTn id="13" dur="1000" fill="hold"/>
+                                        <p:tgtEl>
+                                          <p:spTgt spid="4">
+                                            <p:txEl>
+                                              <p:pRg st="0" end="0"/>
+                                            </p:txEl>
+                                          </p:spTgt>
+                                        </p:tgtEl>
+                                        <p:attrNameLst>
+                                          <p:attrName>ppt_x</p:attrName>
+                                        </p:attrNameLst>
+                                      </p:cBhvr>
+                                      <p:tavLst>
+                                        <p:tav tm="0">
+                                          <p:val>
+                                            <p:strVal val="#ppt_x"/>
+                                          </p:val>
+                                        </p:tav>
+                                        <p:tav tm="100000">
+                                          <p:val>
+                                            <p:strVal val="#ppt_x"/>
+                                          </p:val>
+                                        </p:tav>
+                                      </p:tavLst>
+                                    </p:anim>
+                                    <p:anim calcmode="lin" valueType="num">
+                                      <p:cBhvr>
+                                        <p:cTn id="14" dur="1000" fill="hold"/>
+                                        <p:tgtEl>
+                                          <p:spTgt spid="4">
+                                            <p:txEl>
+                                              <p:pRg st="0" end="0"/>
+                                            </p:txEl>
+                                          </p:spTgt>
+                                        </p:tgtEl>
+                                        <p:attrNameLst>
+                                          <p:attrName>ppt_y</p:attrName>
+                                        </p:attrNameLst>
+                                      </p:cBhvr>
+                                      <p:tavLst>
+                                        <p:tav tm="0">
+                                          <p:val>
+                                            <p:strVal val="#ppt_y+.1"/>
+                                          </p:val>
+                                        </p:tav>
+                                        <p:tav tm="100000">
+                                          <p:val>
+                                            <p:strVal val="#ppt_y"/>
+                                          </p:val>
+                                        </p:tav>
+                                      </p:tavLst>
+                                    </p:anim>
+                                  </p:childTnLst>
+                                </p:cTn>
+                              </p:par>
+                            </p:childTnLst>
+                          </p:cTn>
+                        </p:par>
+                      </p:childTnLst>
+                    </p:cTn>
+                  </p:par>
+                </p:childTnLst>
+              </p:cTn>
+              <p:prevCondLst>
+                <p:cond evt="onPrev" delay="0">
+                  <p:tgtEl>
+                    <p:sldTgt/>
+                  </p:tgtEl>
+                </p:cond>
+              </p:prevCondLst>
+              <p:nextCondLst>
+                <p:cond evt="onNext" delay="0">
+                  <p:tgtEl>
+                    <p:sldTgt/>
+                  </p:tgtEl>
+                </p:cond>
+              </p:nextCondLst>
+            </p:seq>
+          </p:childTnLst>
+        </p:cTn>
+      </p:par>
+    </p:tnLst>
+    <p:bldLst>
+      <p:bldP spid="2" grpId="0"/>
+      <p:bldP spid="4" grpId="0" build="p"/>
+    </p:bldLst>
+  </p:timing>
+</p:sld>
+</file>
+
+<file path=ppt/slides/slide13.xml><?xml version="1.0" encoding="utf-8"?>
+<p:sld xmlns:a="http://schemas.openxmlformats.org/drawingml/2006/main" xmlns:r="http://schemas.openxmlformats.org/officeDocument/2006/relationships" xmlns:p="http://schemas.openxmlformats.org/presentationml/2006/main">
+  <p:cSld>
+    <p:spTree>
+      <p:nvGrpSpPr>
+        <p:cNvPr id="1" name=""/>
+        <p:cNvGrpSpPr/>
+        <p:nvPr/>
+      </p:nvGrpSpPr>
+      <p:grpSpPr>
+        <a:xfrm>
+          <a:off x="0" y="0"/>
+          <a:ext cx="0" cy="0"/>
+          <a:chOff x="0" y="0"/>
+          <a:chExt cx="0" cy="0"/>
+        </a:xfrm>
+      </p:grpSpPr>
+      <p:sp>
+        <p:nvSpPr>
+          <p:cNvPr id="2" name="Title 1"/>
+          <p:cNvSpPr>
+            <a:spLocks noGrp="1"/>
+          </p:cNvSpPr>
+          <p:nvPr>
+            <p:ph type="title"/>
+          </p:nvPr>
+        </p:nvSpPr>
+        <p:spPr/>
+        <p:txBody>
+          <a:bodyPr/>
+          <a:lstStyle/>
+          <a:p>
+            <a:r>
+              <a:rPr lang="en-US" dirty="0"/>
+              <a:t>List of registered users page -  Admin Dashboard</a:t>
+            </a:r>
+            <a:endParaRPr lang="en-IN" dirty="0"/>
+          </a:p>
+        </p:txBody>
+      </p:sp>
+      <p:pic>
+        <p:nvPicPr>
+          <p:cNvPr id="6" name="Picture Placeholder 5">
+            <a:extLst>
+              <a:ext uri="{FF2B5EF4-FFF2-40B4-BE49-F238E27FC236}">
+                <a16:creationId xmlns:a16="http://schemas.microsoft.com/office/drawing/2014/main" id="{F5F54807-91CD-48B7-BE3C-4F13F14C29F0}"/>
+              </a:ext>
+            </a:extLst>
+          </p:cNvPr>
+          <p:cNvPicPr>
+            <a:picLocks noGrp="1" noChangeAspect="1"/>
+          </p:cNvPicPr>
+          <p:nvPr>
+            <p:ph type="pic" idx="1"/>
+          </p:nvPr>
+        </p:nvPicPr>
+        <p:blipFill>
+          <a:blip r:embed="rId2"/>
+          <a:stretch>
+            <a:fillRect/>
+          </a:stretch>
+        </p:blipFill>
+        <p:spPr>
+          <a:xfrm>
+            <a:off x="976062" y="469884"/>
+            <a:ext cx="10239873" cy="3757195"/>
+          </a:xfrm>
+          <a:prstGeom prst="rect">
+            <a:avLst/>
+          </a:prstGeom>
+        </p:spPr>
+      </p:pic>
+      <p:sp>
+        <p:nvSpPr>
+          <p:cNvPr id="4" name="Text Placeholder 3"/>
+          <p:cNvSpPr>
+            <a:spLocks noGrp="1"/>
+          </p:cNvSpPr>
+          <p:nvPr>
+            <p:ph type="body" sz="half" idx="2"/>
+          </p:nvPr>
+        </p:nvSpPr>
+        <p:spPr/>
+        <p:txBody>
+          <a:bodyPr/>
+          <a:lstStyle/>
+          <a:p>
+            <a:r>
+              <a:rPr lang="en-IN" dirty="0"/>
+              <a:t>Visible only to admin after logging in</a:t>
+            </a:r>
+          </a:p>
+        </p:txBody>
+      </p:sp>
+    </p:spTree>
+    <p:extLst>
+      <p:ext uri="{BB962C8B-B14F-4D97-AF65-F5344CB8AC3E}">
+        <p14:creationId xmlns:p14="http://schemas.microsoft.com/office/powerpoint/2010/main" val="2085676332"/>
+      </p:ext>
+    </p:extLst>
+  </p:cSld>
+  <p:clrMapOvr>
+    <a:masterClrMapping/>
+  </p:clrMapOvr>
+  <mc:AlternateContent xmlns:mc="http://schemas.openxmlformats.org/markup-compatibility/2006" xmlns:p14="http://schemas.microsoft.com/office/powerpoint/2010/main">
+    <mc:Choice Requires="p14">
+      <p:transition spd="slow" p14:dur="3400">
+        <p14:reveal/>
+      </p:transition>
+    </mc:Choice>
+    <mc:Fallback xmlns="">
+      <p:transition spd="slow">
+        <p:fade/>
+      </p:transition>
+    </mc:Fallback>
+  </mc:AlternateContent>
+  <p:timing>
+    <p:tnLst>
+      <p:par>
+        <p:cTn id="1" dur="indefinite" restart="never" nodeType="tmRoot">
+          <p:childTnLst>
+            <p:seq concurrent="1" nextAc="seek">
+              <p:cTn id="2" dur="indefinite" nodeType="mainSeq">
+                <p:childTnLst>
+                  <p:par>
+                    <p:cTn id="3" fill="hold">
+                      <p:stCondLst>
+                        <p:cond delay="indefinite"/>
+                        <p:cond evt="onBegin" delay="0">
+                          <p:tn val="2"/>
+                        </p:cond>
+                      </p:stCondLst>
+                      <p:childTnLst>
+                        <p:par>
+                          <p:cTn id="4" fill="hold">
+                            <p:stCondLst>
+                              <p:cond delay="0"/>
+                            </p:stCondLst>
+                            <p:childTnLst>
+                              <p:par>
+                                <p:cTn id="5" presetID="42" presetClass="entr" presetSubtype="0" fill="hold" grpId="0" nodeType="afterEffect">
+                                  <p:stCondLst>
+                                    <p:cond delay="0"/>
+                                  </p:stCondLst>
+                                  <p:childTnLst>
+                                    <p:set>
+                                      <p:cBhvr>
+                                        <p:cTn id="6" dur="1" fill="hold">
+                                          <p:stCondLst>
+                                            <p:cond delay="0"/>
+                                          </p:stCondLst>
+                                        </p:cTn>
+                                        <p:tgtEl>
+                                          <p:spTgt spid="2"/>
+                                        </p:tgtEl>
+                                        <p:attrNameLst>
+                                          <p:attrName>style.visibility</p:attrName>
+                                        </p:attrNameLst>
+                                      </p:cBhvr>
+                                      <p:to>
+                                        <p:strVal val="visible"/>
+                                      </p:to>
+                                    </p:set>
+                                    <p:animEffect transition="in" filter="fade">
+                                      <p:cBhvr>
+                                        <p:cTn id="7" dur="1000"/>
+                                        <p:tgtEl>
+                                          <p:spTgt spid="2"/>
+                                        </p:tgtEl>
+                                      </p:cBhvr>
+                                    </p:animEffect>
+                                    <p:anim calcmode="lin" valueType="num">
+                                      <p:cBhvr>
+                                        <p:cTn id="8" dur="1000" fill="hold"/>
+                                        <p:tgtEl>
+                                          <p:spTgt spid="2"/>
+                                        </p:tgtEl>
+                                        <p:attrNameLst>
+                                          <p:attrName>ppt_x</p:attrName>
+                                        </p:attrNameLst>
+                                      </p:cBhvr>
+                                      <p:tavLst>
+                                        <p:tav tm="0">
+                                          <p:val>
+                                            <p:strVal val="#ppt_x"/>
+                                          </p:val>
+                                        </p:tav>
+                                        <p:tav tm="100000">
+                                          <p:val>
+                                            <p:strVal val="#ppt_x"/>
+                                          </p:val>
+                                        </p:tav>
+                                      </p:tavLst>
+                                    </p:anim>
+                                    <p:anim calcmode="lin" valueType="num">
+                                      <p:cBhvr>
+                                        <p:cTn id="9" dur="1000" fill="hold"/>
+                                        <p:tgtEl>
+                                          <p:spTgt spid="2"/>
+                                        </p:tgtEl>
+                                        <p:attrNameLst>
+                                          <p:attrName>ppt_y</p:attrName>
+                                        </p:attrNameLst>
+                                      </p:cBhvr>
+                                      <p:tavLst>
+                                        <p:tav tm="0">
+                                          <p:val>
+                                            <p:strVal val="#ppt_y+.1"/>
+                                          </p:val>
+                                        </p:tav>
+                                        <p:tav tm="100000">
+                                          <p:val>
+                                            <p:strVal val="#ppt_y"/>
+                                          </p:val>
+                                        </p:tav>
+                                      </p:tavLst>
+                                    </p:anim>
+                                  </p:childTnLst>
+                                </p:cTn>
+                              </p:par>
+                              <p:par>
+                                <p:cTn id="10" presetID="42" presetClass="entr" presetSubtype="0" fill="hold" grpId="0" nodeType="withEffect">
+                                  <p:stCondLst>
+                                    <p:cond delay="0"/>
+                                  </p:stCondLst>
+                                  <p:childTnLst>
+                                    <p:set>
+                                      <p:cBhvr>
+                                        <p:cTn id="11" dur="1" fill="hold">
+                                          <p:stCondLst>
+                                            <p:cond delay="0"/>
+                                          </p:stCondLst>
+                                        </p:cTn>
+                                        <p:tgtEl>
+                                          <p:spTgt spid="4">
+                                            <p:txEl>
+                                              <p:pRg st="0" end="0"/>
+                                            </p:txEl>
+                                          </p:spTgt>
+                                        </p:tgtEl>
+                                        <p:attrNameLst>
+                                          <p:attrName>style.visibility</p:attrName>
+                                        </p:attrNameLst>
+                                      </p:cBhvr>
+                                      <p:to>
+                                        <p:strVal val="visible"/>
+                                      </p:to>
+                                    </p:set>
+                                    <p:animEffect transition="in" filter="fade">
+                                      <p:cBhvr>
+                                        <p:cTn id="12" dur="1000"/>
+                                        <p:tgtEl>
+                                          <p:spTgt spid="4">
+                                            <p:txEl>
+                                              <p:pRg st="0" end="0"/>
+                                            </p:txEl>
+                                          </p:spTgt>
+                                        </p:tgtEl>
+                                      </p:cBhvr>
+                                    </p:animEffect>
+                                    <p:anim calcmode="lin" valueType="num">
+                                      <p:cBhvr>
+                                        <p:cTn id="13" dur="1000" fill="hold"/>
+                                        <p:tgtEl>
+                                          <p:spTgt spid="4">
+                                            <p:txEl>
+                                              <p:pRg st="0" end="0"/>
+                                            </p:txEl>
+                                          </p:spTgt>
+                                        </p:tgtEl>
+                                        <p:attrNameLst>
+                                          <p:attrName>ppt_x</p:attrName>
+                                        </p:attrNameLst>
+                                      </p:cBhvr>
+                                      <p:tavLst>
+                                        <p:tav tm="0">
+                                          <p:val>
+                                            <p:strVal val="#ppt_x"/>
+                                          </p:val>
+                                        </p:tav>
+                                        <p:tav tm="100000">
+                                          <p:val>
+                                            <p:strVal val="#ppt_x"/>
+                                          </p:val>
+                                        </p:tav>
+                                      </p:tavLst>
+                                    </p:anim>
+                                    <p:anim calcmode="lin" valueType="num">
+                                      <p:cBhvr>
+                                        <p:cTn id="14" dur="1000" fill="hold"/>
+                                        <p:tgtEl>
+                                          <p:spTgt spid="4">
+                                            <p:txEl>
+                                              <p:pRg st="0" end="0"/>
+                                            </p:txEl>
+                                          </p:spTgt>
+                                        </p:tgtEl>
+                                        <p:attrNameLst>
+                                          <p:attrName>ppt_y</p:attrName>
+                                        </p:attrNameLst>
+                                      </p:cBhvr>
+                                      <p:tavLst>
+                                        <p:tav tm="0">
+                                          <p:val>
+                                            <p:strVal val="#ppt_y+.1"/>
+                                          </p:val>
+                                        </p:tav>
+                                        <p:tav tm="100000">
+                                          <p:val>
+                                            <p:strVal val="#ppt_y"/>
+                                          </p:val>
+                                        </p:tav>
+                                      </p:tavLst>
+                                    </p:anim>
+                                  </p:childTnLst>
+                                </p:cTn>
+                              </p:par>
+                            </p:childTnLst>
+                          </p:cTn>
+                        </p:par>
+                      </p:childTnLst>
+                    </p:cTn>
+                  </p:par>
+                </p:childTnLst>
+              </p:cTn>
+              <p:prevCondLst>
+                <p:cond evt="onPrev" delay="0">
+                  <p:tgtEl>
+                    <p:sldTgt/>
+                  </p:tgtEl>
+                </p:cond>
+              </p:prevCondLst>
+              <p:nextCondLst>
+                <p:cond evt="onNext" delay="0">
+                  <p:tgtEl>
+                    <p:sldTgt/>
+                  </p:tgtEl>
+                </p:cond>
+              </p:nextCondLst>
+            </p:seq>
+          </p:childTnLst>
+        </p:cTn>
+      </p:par>
+    </p:tnLst>
+    <p:bldLst>
+      <p:bldP spid="2" grpId="0"/>
+      <p:bldP spid="4" grpId="0" build="p"/>
+    </p:bldLst>
+  </p:timing>
+</p:sld>
+</file>
+
+<file path=ppt/slides/slide14.xml><?xml version="1.0" encoding="utf-8"?>
+<p:sld xmlns:a="http://schemas.openxmlformats.org/drawingml/2006/main" xmlns:r="http://schemas.openxmlformats.org/officeDocument/2006/relationships" xmlns:p="http://schemas.openxmlformats.org/presentationml/2006/main">
+  <p:cSld>
+    <p:spTree>
+      <p:nvGrpSpPr>
+        <p:cNvPr id="1" name=""/>
+        <p:cNvGrpSpPr/>
+        <p:nvPr/>
+      </p:nvGrpSpPr>
+      <p:grpSpPr>
+        <a:xfrm>
+          <a:off x="0" y="0"/>
+          <a:ext cx="0" cy="0"/>
+          <a:chOff x="0" y="0"/>
+          <a:chExt cx="0" cy="0"/>
+        </a:xfrm>
+      </p:grpSpPr>
+      <p:sp>
+        <p:nvSpPr>
+          <p:cNvPr id="2" name="Title 1"/>
+          <p:cNvSpPr>
+            <a:spLocks noGrp="1"/>
+          </p:cNvSpPr>
+          <p:nvPr>
+            <p:ph type="title"/>
+          </p:nvPr>
+        </p:nvSpPr>
+        <p:spPr/>
+        <p:txBody>
+          <a:bodyPr/>
+          <a:lstStyle/>
+          <a:p>
+            <a:r>
+              <a:rPr lang="en-US" dirty="0"/>
+              <a:t>List of accounts for a user page</a:t>
+            </a:r>
+            <a:endParaRPr lang="en-IN" dirty="0"/>
+          </a:p>
+        </p:txBody>
+      </p:sp>
+      <p:pic>
+        <p:nvPicPr>
+          <p:cNvPr id="6" name="Picture Placeholder 5">
+            <a:extLst>
+              <a:ext uri="{FF2B5EF4-FFF2-40B4-BE49-F238E27FC236}">
+                <a16:creationId xmlns:a16="http://schemas.microsoft.com/office/drawing/2014/main" id="{F5F54807-91CD-48B7-BE3C-4F13F14C29F0}"/>
+              </a:ext>
+            </a:extLst>
+          </p:cNvPr>
+          <p:cNvPicPr>
+            <a:picLocks noGrp="1" noChangeAspect="1"/>
+          </p:cNvPicPr>
+          <p:nvPr>
+            <p:ph type="pic" idx="1"/>
+          </p:nvPr>
+        </p:nvPicPr>
+        <p:blipFill>
+          <a:blip r:embed="rId2"/>
+          <a:stretch>
+            <a:fillRect/>
+          </a:stretch>
+        </p:blipFill>
+        <p:spPr>
+          <a:xfrm>
+            <a:off x="976062" y="852228"/>
+            <a:ext cx="10239873" cy="2879964"/>
+          </a:xfrm>
+          <a:prstGeom prst="rect">
+            <a:avLst/>
+          </a:prstGeom>
+        </p:spPr>
+      </p:pic>
+      <p:sp>
+        <p:nvSpPr>
+          <p:cNvPr id="4" name="Text Placeholder 3"/>
+          <p:cNvSpPr>
+            <a:spLocks noGrp="1"/>
+          </p:cNvSpPr>
+          <p:nvPr>
+            <p:ph type="body" sz="half" idx="2"/>
+          </p:nvPr>
+        </p:nvSpPr>
+        <p:spPr/>
+        <p:txBody>
+          <a:bodyPr/>
+          <a:lstStyle/>
+          <a:p>
+            <a:r>
+              <a:rPr lang="en-IN" dirty="0"/>
+              <a:t>Visible only to admin &amp; respective user after logging in</a:t>
+            </a:r>
+          </a:p>
+        </p:txBody>
+      </p:sp>
+    </p:spTree>
+    <p:extLst>
+      <p:ext uri="{BB962C8B-B14F-4D97-AF65-F5344CB8AC3E}">
+        <p14:creationId xmlns:p14="http://schemas.microsoft.com/office/powerpoint/2010/main" val="3229011802"/>
+      </p:ext>
+    </p:extLst>
+  </p:cSld>
+  <p:clrMapOvr>
+    <a:masterClrMapping/>
+  </p:clrMapOvr>
+  <mc:AlternateContent xmlns:mc="http://schemas.openxmlformats.org/markup-compatibility/2006" xmlns:p14="http://schemas.microsoft.com/office/powerpoint/2010/main">
+    <mc:Choice Requires="p14">
+      <p:transition spd="slow" p14:dur="3400">
+        <p14:reveal/>
+      </p:transition>
+    </mc:Choice>
+    <mc:Fallback xmlns="">
+      <p:transition spd="slow">
+        <p:fade/>
+      </p:transition>
+    </mc:Fallback>
+  </mc:AlternateContent>
+  <p:timing>
+    <p:tnLst>
+      <p:par>
+        <p:cTn id="1" dur="indefinite" restart="never" nodeType="tmRoot">
+          <p:childTnLst>
+            <p:seq concurrent="1" nextAc="seek">
+              <p:cTn id="2" dur="indefinite" nodeType="mainSeq">
+                <p:childTnLst>
+                  <p:par>
+                    <p:cTn id="3" fill="hold">
+                      <p:stCondLst>
+                        <p:cond delay="indefinite"/>
+                        <p:cond evt="onBegin" delay="0">
+                          <p:tn val="2"/>
+                        </p:cond>
+                      </p:stCondLst>
+                      <p:childTnLst>
+                        <p:par>
+                          <p:cTn id="4" fill="hold">
+                            <p:stCondLst>
+                              <p:cond delay="0"/>
+                            </p:stCondLst>
+                            <p:childTnLst>
+                              <p:par>
+                                <p:cTn id="5" presetID="42" presetClass="entr" presetSubtype="0" fill="hold" grpId="0" nodeType="afterEffect">
+                                  <p:stCondLst>
+                                    <p:cond delay="0"/>
+                                  </p:stCondLst>
+                                  <p:childTnLst>
+                                    <p:set>
+                                      <p:cBhvr>
+                                        <p:cTn id="6" dur="1" fill="hold">
+                                          <p:stCondLst>
+                                            <p:cond delay="0"/>
+                                          </p:stCondLst>
+                                        </p:cTn>
+                                        <p:tgtEl>
+                                          <p:spTgt spid="2"/>
+                                        </p:tgtEl>
+                                        <p:attrNameLst>
+                                          <p:attrName>style.visibility</p:attrName>
+                                        </p:attrNameLst>
+                                      </p:cBhvr>
+                                      <p:to>
+                                        <p:strVal val="visible"/>
+                                      </p:to>
+                                    </p:set>
+                                    <p:animEffect transition="in" filter="fade">
+                                      <p:cBhvr>
+                                        <p:cTn id="7" dur="1000"/>
+                                        <p:tgtEl>
+                                          <p:spTgt spid="2"/>
+                                        </p:tgtEl>
+                                      </p:cBhvr>
+                                    </p:animEffect>
+                                    <p:anim calcmode="lin" valueType="num">
+                                      <p:cBhvr>
+                                        <p:cTn id="8" dur="1000" fill="hold"/>
+                                        <p:tgtEl>
+                                          <p:spTgt spid="2"/>
+                                        </p:tgtEl>
+                                        <p:attrNameLst>
+                                          <p:attrName>ppt_x</p:attrName>
+                                        </p:attrNameLst>
+                                      </p:cBhvr>
+                                      <p:tavLst>
+                                        <p:tav tm="0">
+                                          <p:val>
+                                            <p:strVal val="#ppt_x"/>
+                                          </p:val>
+                                        </p:tav>
+                                        <p:tav tm="100000">
+                                          <p:val>
+                                            <p:strVal val="#ppt_x"/>
+                                          </p:val>
+                                        </p:tav>
+                                      </p:tavLst>
+                                    </p:anim>
+                                    <p:anim calcmode="lin" valueType="num">
+                                      <p:cBhvr>
+                                        <p:cTn id="9" dur="1000" fill="hold"/>
+                                        <p:tgtEl>
+                                          <p:spTgt spid="2"/>
+                                        </p:tgtEl>
+                                        <p:attrNameLst>
+                                          <p:attrName>ppt_y</p:attrName>
+                                        </p:attrNameLst>
+                                      </p:cBhvr>
+                                      <p:tavLst>
+                                        <p:tav tm="0">
+                                          <p:val>
+                                            <p:strVal val="#ppt_y+.1"/>
+                                          </p:val>
+                                        </p:tav>
+                                        <p:tav tm="100000">
+                                          <p:val>
+                                            <p:strVal val="#ppt_y"/>
+                                          </p:val>
+                                        </p:tav>
+                                      </p:tavLst>
+                                    </p:anim>
+                                  </p:childTnLst>
+                                </p:cTn>
+                              </p:par>
+                              <p:par>
+                                <p:cTn id="10" presetID="42" presetClass="entr" presetSubtype="0" fill="hold" grpId="0" nodeType="withEffect">
+                                  <p:stCondLst>
+                                    <p:cond delay="0"/>
+                                  </p:stCondLst>
+                                  <p:childTnLst>
+                                    <p:set>
+                                      <p:cBhvr>
+                                        <p:cTn id="11" dur="1" fill="hold">
+                                          <p:stCondLst>
+                                            <p:cond delay="0"/>
+                                          </p:stCondLst>
+                                        </p:cTn>
+                                        <p:tgtEl>
+                                          <p:spTgt spid="4">
+                                            <p:txEl>
+                                              <p:pRg st="0" end="0"/>
+                                            </p:txEl>
+                                          </p:spTgt>
+                                        </p:tgtEl>
+                                        <p:attrNameLst>
+                                          <p:attrName>style.visibility</p:attrName>
+                                        </p:attrNameLst>
+                                      </p:cBhvr>
+                                      <p:to>
+                                        <p:strVal val="visible"/>
+                                      </p:to>
+                                    </p:set>
+                                    <p:animEffect transition="in" filter="fade">
+                                      <p:cBhvr>
+                                        <p:cTn id="12" dur="1000"/>
+                                        <p:tgtEl>
+                                          <p:spTgt spid="4">
+                                            <p:txEl>
+                                              <p:pRg st="0" end="0"/>
+                                            </p:txEl>
+                                          </p:spTgt>
+                                        </p:tgtEl>
+                                      </p:cBhvr>
+                                    </p:animEffect>
+                                    <p:anim calcmode="lin" valueType="num">
+                                      <p:cBhvr>
+                                        <p:cTn id="13" dur="1000" fill="hold"/>
+                                        <p:tgtEl>
+                                          <p:spTgt spid="4">
+                                            <p:txEl>
+                                              <p:pRg st="0" end="0"/>
+                                            </p:txEl>
+                                          </p:spTgt>
+                                        </p:tgtEl>
+                                        <p:attrNameLst>
+                                          <p:attrName>ppt_x</p:attrName>
+                                        </p:attrNameLst>
+                                      </p:cBhvr>
+                                      <p:tavLst>
+                                        <p:tav tm="0">
+                                          <p:val>
+                                            <p:strVal val="#ppt_x"/>
+                                          </p:val>
+                                        </p:tav>
+                                        <p:tav tm="100000">
+                                          <p:val>
+                                            <p:strVal val="#ppt_x"/>
+                                          </p:val>
+                                        </p:tav>
+                                      </p:tavLst>
+                                    </p:anim>
+                                    <p:anim calcmode="lin" valueType="num">
+                                      <p:cBhvr>
+                                        <p:cTn id="14" dur="1000" fill="hold"/>
+                                        <p:tgtEl>
+                                          <p:spTgt spid="4">
+                                            <p:txEl>
+                                              <p:pRg st="0" end="0"/>
+                                            </p:txEl>
+                                          </p:spTgt>
+                                        </p:tgtEl>
+                                        <p:attrNameLst>
+                                          <p:attrName>ppt_y</p:attrName>
+                                        </p:attrNameLst>
+                                      </p:cBhvr>
+                                      <p:tavLst>
+                                        <p:tav tm="0">
+                                          <p:val>
+                                            <p:strVal val="#ppt_y+.1"/>
+                                          </p:val>
+                                        </p:tav>
+                                        <p:tav tm="100000">
+                                          <p:val>
+                                            <p:strVal val="#ppt_y"/>
+                                          </p:val>
+                                        </p:tav>
+                                      </p:tavLst>
+                                    </p:anim>
+                                  </p:childTnLst>
+                                </p:cTn>
+                              </p:par>
+                            </p:childTnLst>
+                          </p:cTn>
+                        </p:par>
+                      </p:childTnLst>
+                    </p:cTn>
+                  </p:par>
+                </p:childTnLst>
+              </p:cTn>
+              <p:prevCondLst>
+                <p:cond evt="onPrev" delay="0">
+                  <p:tgtEl>
+                    <p:sldTgt/>
+                  </p:tgtEl>
+                </p:cond>
+              </p:prevCondLst>
+              <p:nextCondLst>
+                <p:cond evt="onNext" delay="0">
+                  <p:tgtEl>
+                    <p:sldTgt/>
+                  </p:tgtEl>
+                </p:cond>
+              </p:nextCondLst>
+            </p:seq>
+          </p:childTnLst>
+        </p:cTn>
+      </p:par>
+    </p:tnLst>
+    <p:bldLst>
+      <p:bldP spid="2" grpId="0"/>
+      <p:bldP spid="4" grpId="0" build="p"/>
+    </p:bldLst>
+  </p:timing>
+</p:sld>
+</file>
+
+<file path=ppt/slides/slide15.xml><?xml version="1.0" encoding="utf-8"?>
+<p:sld xmlns:a="http://schemas.openxmlformats.org/drawingml/2006/main" xmlns:r="http://schemas.openxmlformats.org/officeDocument/2006/relationships" xmlns:p="http://schemas.openxmlformats.org/presentationml/2006/main">
+  <p:cSld>
+    <p:spTree>
+      <p:nvGrpSpPr>
+        <p:cNvPr id="1" name=""/>
+        <p:cNvGrpSpPr/>
+        <p:nvPr/>
+      </p:nvGrpSpPr>
+      <p:grpSpPr>
+        <a:xfrm>
+          <a:off x="0" y="0"/>
+          <a:ext cx="0" cy="0"/>
+          <a:chOff x="0" y="0"/>
+          <a:chExt cx="0" cy="0"/>
+        </a:xfrm>
+      </p:grpSpPr>
+      <p:sp>
+        <p:nvSpPr>
+          <p:cNvPr id="2" name="Title 1"/>
+          <p:cNvSpPr>
+            <a:spLocks noGrp="1"/>
+          </p:cNvSpPr>
+          <p:nvPr>
+            <p:ph type="title"/>
+          </p:nvPr>
+        </p:nvSpPr>
+        <p:spPr/>
+        <p:txBody>
+          <a:bodyPr/>
+          <a:lstStyle/>
+          <a:p>
+            <a:r>
+              <a:rPr lang="en-US" dirty="0"/>
+              <a:t>Profile page – User dashboard</a:t>
+            </a:r>
+            <a:endParaRPr lang="en-IN" dirty="0"/>
+          </a:p>
+        </p:txBody>
+      </p:sp>
+      <p:pic>
+        <p:nvPicPr>
+          <p:cNvPr id="6" name="Picture Placeholder 5">
+            <a:extLst>
+              <a:ext uri="{FF2B5EF4-FFF2-40B4-BE49-F238E27FC236}">
+                <a16:creationId xmlns:a16="http://schemas.microsoft.com/office/drawing/2014/main" id="{F5F54807-91CD-48B7-BE3C-4F13F14C29F0}"/>
+              </a:ext>
+            </a:extLst>
+          </p:cNvPr>
+          <p:cNvPicPr>
+            <a:picLocks noGrp="1" noChangeAspect="1"/>
+          </p:cNvPicPr>
+          <p:nvPr>
+            <p:ph type="pic" idx="1"/>
+          </p:nvPr>
+        </p:nvPicPr>
+        <p:blipFill>
+          <a:blip r:embed="rId2"/>
+          <a:stretch>
+            <a:fillRect/>
+          </a:stretch>
+        </p:blipFill>
+        <p:spPr>
+          <a:xfrm>
+            <a:off x="2168389" y="852228"/>
+            <a:ext cx="7855218" cy="2879964"/>
+          </a:xfrm>
+          <a:prstGeom prst="rect">
+            <a:avLst/>
+          </a:prstGeom>
+        </p:spPr>
+      </p:pic>
+      <p:sp>
+        <p:nvSpPr>
+          <p:cNvPr id="4" name="Text Placeholder 3"/>
+          <p:cNvSpPr>
+            <a:spLocks noGrp="1"/>
+          </p:cNvSpPr>
+          <p:nvPr>
+            <p:ph type="body" sz="half" idx="2"/>
+          </p:nvPr>
+        </p:nvSpPr>
+        <p:spPr/>
+        <p:txBody>
+          <a:bodyPr/>
+          <a:lstStyle/>
+          <a:p>
+            <a:r>
+              <a:rPr lang="en-IN" dirty="0"/>
+              <a:t>Visible to respective user after logging in</a:t>
+            </a:r>
+          </a:p>
+        </p:txBody>
+      </p:sp>
+    </p:spTree>
+    <p:extLst>
+      <p:ext uri="{BB962C8B-B14F-4D97-AF65-F5344CB8AC3E}">
+        <p14:creationId xmlns:p14="http://schemas.microsoft.com/office/powerpoint/2010/main" val="878858545"/>
+      </p:ext>
+    </p:extLst>
+  </p:cSld>
+  <p:clrMapOvr>
+    <a:masterClrMapping/>
+  </p:clrMapOvr>
+  <mc:AlternateContent xmlns:mc="http://schemas.openxmlformats.org/markup-compatibility/2006" xmlns:p14="http://schemas.microsoft.com/office/powerpoint/2010/main">
+    <mc:Choice Requires="p14">
+      <p:transition spd="slow" p14:dur="3400">
+        <p14:reveal/>
+      </p:transition>
+    </mc:Choice>
+    <mc:Fallback xmlns="">
+      <p:transition spd="slow">
+        <p:fade/>
+      </p:transition>
+    </mc:Fallback>
+  </mc:AlternateContent>
+  <p:timing>
+    <p:tnLst>
+      <p:par>
+        <p:cTn id="1" dur="indefinite" restart="never" nodeType="tmRoot">
+          <p:childTnLst>
+            <p:seq concurrent="1" nextAc="seek">
+              <p:cTn id="2" dur="indefinite" nodeType="mainSeq">
+                <p:childTnLst>
+                  <p:par>
+                    <p:cTn id="3" fill="hold">
+                      <p:stCondLst>
+                        <p:cond delay="indefinite"/>
+                        <p:cond evt="onBegin" delay="0">
+                          <p:tn val="2"/>
+                        </p:cond>
+                      </p:stCondLst>
+                      <p:childTnLst>
+                        <p:par>
+                          <p:cTn id="4" fill="hold">
+                            <p:stCondLst>
+                              <p:cond delay="0"/>
+                            </p:stCondLst>
+                            <p:childTnLst>
+                              <p:par>
+                                <p:cTn id="5" presetID="42" presetClass="entr" presetSubtype="0" fill="hold" grpId="0" nodeType="afterEffect">
+                                  <p:stCondLst>
+                                    <p:cond delay="0"/>
+                                  </p:stCondLst>
+                                  <p:childTnLst>
+                                    <p:set>
+                                      <p:cBhvr>
+                                        <p:cTn id="6" dur="1" fill="hold">
+                                          <p:stCondLst>
+                                            <p:cond delay="0"/>
+                                          </p:stCondLst>
+                                        </p:cTn>
+                                        <p:tgtEl>
+                                          <p:spTgt spid="2"/>
+                                        </p:tgtEl>
+                                        <p:attrNameLst>
+                                          <p:attrName>style.visibility</p:attrName>
+                                        </p:attrNameLst>
+                                      </p:cBhvr>
+                                      <p:to>
+                                        <p:strVal val="visible"/>
+                                      </p:to>
+                                    </p:set>
+                                    <p:animEffect transition="in" filter="fade">
+                                      <p:cBhvr>
+                                        <p:cTn id="7" dur="1000"/>
+                                        <p:tgtEl>
+                                          <p:spTgt spid="2"/>
+                                        </p:tgtEl>
+                                      </p:cBhvr>
+                                    </p:animEffect>
+                                    <p:anim calcmode="lin" valueType="num">
+                                      <p:cBhvr>
+                                        <p:cTn id="8" dur="1000" fill="hold"/>
+                                        <p:tgtEl>
+                                          <p:spTgt spid="2"/>
+                                        </p:tgtEl>
+                                        <p:attrNameLst>
+                                          <p:attrName>ppt_x</p:attrName>
+                                        </p:attrNameLst>
+                                      </p:cBhvr>
+                                      <p:tavLst>
+                                        <p:tav tm="0">
+                                          <p:val>
+                                            <p:strVal val="#ppt_x"/>
+                                          </p:val>
+                                        </p:tav>
+                                        <p:tav tm="100000">
+                                          <p:val>
+                                            <p:strVal val="#ppt_x"/>
+                                          </p:val>
+                                        </p:tav>
+                                      </p:tavLst>
+                                    </p:anim>
+                                    <p:anim calcmode="lin" valueType="num">
+                                      <p:cBhvr>
+                                        <p:cTn id="9" dur="1000" fill="hold"/>
+                                        <p:tgtEl>
+                                          <p:spTgt spid="2"/>
+                                        </p:tgtEl>
+                                        <p:attrNameLst>
+                                          <p:attrName>ppt_y</p:attrName>
+                                        </p:attrNameLst>
+                                      </p:cBhvr>
+                                      <p:tavLst>
+                                        <p:tav tm="0">
+                                          <p:val>
+                                            <p:strVal val="#ppt_y+.1"/>
+                                          </p:val>
+                                        </p:tav>
+                                        <p:tav tm="100000">
+                                          <p:val>
+                                            <p:strVal val="#ppt_y"/>
+                                          </p:val>
+                                        </p:tav>
+                                      </p:tavLst>
+                                    </p:anim>
+                                  </p:childTnLst>
+                                </p:cTn>
+                              </p:par>
+                              <p:par>
+                                <p:cTn id="10" presetID="42" presetClass="entr" presetSubtype="0" fill="hold" grpId="0" nodeType="withEffect">
+                                  <p:stCondLst>
+                                    <p:cond delay="0"/>
+                                  </p:stCondLst>
+                                  <p:childTnLst>
+                                    <p:set>
+                                      <p:cBhvr>
+                                        <p:cTn id="11" dur="1" fill="hold">
+                                          <p:stCondLst>
+                                            <p:cond delay="0"/>
+                                          </p:stCondLst>
+                                        </p:cTn>
+                                        <p:tgtEl>
+                                          <p:spTgt spid="4">
+                                            <p:txEl>
+                                              <p:pRg st="0" end="0"/>
+                                            </p:txEl>
+                                          </p:spTgt>
+                                        </p:tgtEl>
+                                        <p:attrNameLst>
+                                          <p:attrName>style.visibility</p:attrName>
+                                        </p:attrNameLst>
+                                      </p:cBhvr>
+                                      <p:to>
+                                        <p:strVal val="visible"/>
+                                      </p:to>
+                                    </p:set>
+                                    <p:animEffect transition="in" filter="fade">
+                                      <p:cBhvr>
+                                        <p:cTn id="12" dur="1000"/>
+                                        <p:tgtEl>
+                                          <p:spTgt spid="4">
+                                            <p:txEl>
+                                              <p:pRg st="0" end="0"/>
+                                            </p:txEl>
+                                          </p:spTgt>
+                                        </p:tgtEl>
+                                      </p:cBhvr>
+                                    </p:animEffect>
+                                    <p:anim calcmode="lin" valueType="num">
+                                      <p:cBhvr>
+                                        <p:cTn id="13" dur="1000" fill="hold"/>
+                                        <p:tgtEl>
+                                          <p:spTgt spid="4">
+                                            <p:txEl>
+                                              <p:pRg st="0" end="0"/>
+                                            </p:txEl>
+                                          </p:spTgt>
+                                        </p:tgtEl>
+                                        <p:attrNameLst>
+                                          <p:attrName>ppt_x</p:attrName>
+                                        </p:attrNameLst>
+                                      </p:cBhvr>
+                                      <p:tavLst>
+                                        <p:tav tm="0">
+                                          <p:val>
+                                            <p:strVal val="#ppt_x"/>
+                                          </p:val>
+                                        </p:tav>
+                                        <p:tav tm="100000">
+                                          <p:val>
+                                            <p:strVal val="#ppt_x"/>
+                                          </p:val>
+                                        </p:tav>
+                                      </p:tavLst>
+                                    </p:anim>
+                                    <p:anim calcmode="lin" valueType="num">
+                                      <p:cBhvr>
+                                        <p:cTn id="14" dur="1000" fill="hold"/>
+                                        <p:tgtEl>
+                                          <p:spTgt spid="4">
+                                            <p:txEl>
+                                              <p:pRg st="0" end="0"/>
+                                            </p:txEl>
+                                          </p:spTgt>
+                                        </p:tgtEl>
+                                        <p:attrNameLst>
+                                          <p:attrName>ppt_y</p:attrName>
+                                        </p:attrNameLst>
+                                      </p:cBhvr>
+                                      <p:tavLst>
+                                        <p:tav tm="0">
+                                          <p:val>
+                                            <p:strVal val="#ppt_y+.1"/>
+                                          </p:val>
+                                        </p:tav>
+                                        <p:tav tm="100000">
+                                          <p:val>
+                                            <p:strVal val="#ppt_y"/>
+                                          </p:val>
+                                        </p:tav>
+                                      </p:tavLst>
+                                    </p:anim>
+                                  </p:childTnLst>
+                                </p:cTn>
+                              </p:par>
+                            </p:childTnLst>
+                          </p:cTn>
+                        </p:par>
+                      </p:childTnLst>
+                    </p:cTn>
+                  </p:par>
+                </p:childTnLst>
+              </p:cTn>
+              <p:prevCondLst>
+                <p:cond evt="onPrev" delay="0">
+                  <p:tgtEl>
+                    <p:sldTgt/>
+                  </p:tgtEl>
+                </p:cond>
+              </p:prevCondLst>
+              <p:nextCondLst>
+                <p:cond evt="onNext" delay="0">
+                  <p:tgtEl>
+                    <p:sldTgt/>
+                  </p:tgtEl>
+                </p:cond>
+              </p:nextCondLst>
+            </p:seq>
+          </p:childTnLst>
+        </p:cTn>
+      </p:par>
+    </p:tnLst>
+    <p:bldLst>
+      <p:bldP spid="2" grpId="0"/>
+      <p:bldP spid="4" grpId="0" build="p"/>
+    </p:bldLst>
+  </p:timing>
+</p:sld>
+</file>
+
+<file path=ppt/slides/slide16.xml><?xml version="1.0" encoding="utf-8"?>
+<p:sld xmlns:a="http://schemas.openxmlformats.org/drawingml/2006/main" xmlns:r="http://schemas.openxmlformats.org/officeDocument/2006/relationships" xmlns:p="http://schemas.openxmlformats.org/presentationml/2006/main">
+  <p:cSld>
+    <p:spTree>
+      <p:nvGrpSpPr>
+        <p:cNvPr id="1" name=""/>
+        <p:cNvGrpSpPr/>
+        <p:nvPr/>
+      </p:nvGrpSpPr>
+      <p:grpSpPr>
+        <a:xfrm>
+          <a:off x="0" y="0"/>
+          <a:ext cx="0" cy="0"/>
+          <a:chOff x="0" y="0"/>
+          <a:chExt cx="0" cy="0"/>
+        </a:xfrm>
+      </p:grpSpPr>
+      <p:sp>
+        <p:nvSpPr>
+          <p:cNvPr id="2" name="Title 1"/>
+          <p:cNvSpPr>
+            <a:spLocks noGrp="1"/>
+          </p:cNvSpPr>
+          <p:nvPr>
+            <p:ph type="title"/>
+          </p:nvPr>
+        </p:nvSpPr>
+        <p:spPr/>
+        <p:txBody>
+          <a:bodyPr>
+            <a:normAutofit fontScale="90000"/>
+          </a:bodyPr>
+          <a:lstStyle/>
+          <a:p>
+            <a:r>
+              <a:rPr lang="en-US" dirty="0"/>
+              <a:t>Make a transaction page – cash withdrawal, deposit &amp; transfer</a:t>
+            </a:r>
+            <a:endParaRPr lang="en-IN" dirty="0"/>
+          </a:p>
+        </p:txBody>
+      </p:sp>
+      <p:pic>
+        <p:nvPicPr>
+          <p:cNvPr id="6" name="Picture Placeholder 5">
+            <a:extLst>
+              <a:ext uri="{FF2B5EF4-FFF2-40B4-BE49-F238E27FC236}">
+                <a16:creationId xmlns:a16="http://schemas.microsoft.com/office/drawing/2014/main" id="{F5F54807-91CD-48B7-BE3C-4F13F14C29F0}"/>
+              </a:ext>
+            </a:extLst>
+          </p:cNvPr>
+          <p:cNvPicPr>
+            <a:picLocks noGrp="1" noChangeAspect="1"/>
+          </p:cNvPicPr>
+          <p:nvPr>
+            <p:ph type="pic" idx="1"/>
+          </p:nvPr>
+        </p:nvPicPr>
+        <p:blipFill>
+          <a:blip r:embed="rId2"/>
+          <a:stretch>
+            <a:fillRect/>
+          </a:stretch>
+        </p:blipFill>
+        <p:spPr>
+          <a:xfrm>
+            <a:off x="1154953" y="549035"/>
+            <a:ext cx="8826155" cy="3249241"/>
+          </a:xfrm>
+          <a:prstGeom prst="rect">
+            <a:avLst/>
+          </a:prstGeom>
+        </p:spPr>
+      </p:pic>
+      <p:sp>
+        <p:nvSpPr>
+          <p:cNvPr id="4" name="Text Placeholder 3"/>
+          <p:cNvSpPr>
+            <a:spLocks noGrp="1"/>
+          </p:cNvSpPr>
+          <p:nvPr>
+            <p:ph type="body" sz="half" idx="2"/>
+          </p:nvPr>
+        </p:nvSpPr>
+        <p:spPr/>
+        <p:txBody>
+          <a:bodyPr/>
+          <a:lstStyle/>
+          <a:p>
+            <a:r>
+              <a:rPr lang="en-IN" dirty="0"/>
+              <a:t>Visible to respective user after logging in</a:t>
+            </a:r>
+          </a:p>
+        </p:txBody>
+      </p:sp>
+    </p:spTree>
+    <p:extLst>
+      <p:ext uri="{BB962C8B-B14F-4D97-AF65-F5344CB8AC3E}">
+        <p14:creationId xmlns:p14="http://schemas.microsoft.com/office/powerpoint/2010/main" val="947841922"/>
+      </p:ext>
+    </p:extLst>
+  </p:cSld>
+  <p:clrMapOvr>
+    <a:masterClrMapping/>
+  </p:clrMapOvr>
+  <mc:AlternateContent xmlns:mc="http://schemas.openxmlformats.org/markup-compatibility/2006" xmlns:p14="http://schemas.microsoft.com/office/powerpoint/2010/main">
+    <mc:Choice Requires="p14">
+      <p:transition spd="slow" p14:dur="3400">
+        <p14:reveal/>
+      </p:transition>
+    </mc:Choice>
+    <mc:Fallback xmlns="">
+      <p:transition spd="slow">
+        <p:fade/>
+      </p:transition>
+    </mc:Fallback>
+  </mc:AlternateContent>
+  <p:timing>
+    <p:tnLst>
+      <p:par>
+        <p:cTn id="1" dur="indefinite" restart="never" nodeType="tmRoot">
+          <p:childTnLst>
+            <p:seq concurrent="1" nextAc="seek">
+              <p:cTn id="2" dur="indefinite" nodeType="mainSeq">
+                <p:childTnLst>
+                  <p:par>
+                    <p:cTn id="3" fill="hold">
+                      <p:stCondLst>
+                        <p:cond delay="indefinite"/>
+                        <p:cond evt="onBegin" delay="0">
+                          <p:tn val="2"/>
+                        </p:cond>
+                      </p:stCondLst>
+                      <p:childTnLst>
+                        <p:par>
+                          <p:cTn id="4" fill="hold">
+                            <p:stCondLst>
+                              <p:cond delay="0"/>
+                            </p:stCondLst>
+                            <p:childTnLst>
+                              <p:par>
+                                <p:cTn id="5" presetID="42" presetClass="entr" presetSubtype="0" fill="hold" grpId="0" nodeType="afterEffect">
+                                  <p:stCondLst>
+                                    <p:cond delay="0"/>
+                                  </p:stCondLst>
+                                  <p:childTnLst>
+                                    <p:set>
+                                      <p:cBhvr>
+                                        <p:cTn id="6" dur="1" fill="hold">
+                                          <p:stCondLst>
+                                            <p:cond delay="0"/>
+                                          </p:stCondLst>
+                                        </p:cTn>
+                                        <p:tgtEl>
+                                          <p:spTgt spid="2"/>
+                                        </p:tgtEl>
+                                        <p:attrNameLst>
+                                          <p:attrName>style.visibility</p:attrName>
+                                        </p:attrNameLst>
+                                      </p:cBhvr>
+                                      <p:to>
+                                        <p:strVal val="visible"/>
+                                      </p:to>
+                                    </p:set>
+                                    <p:animEffect transition="in" filter="fade">
+                                      <p:cBhvr>
+                                        <p:cTn id="7" dur="1000"/>
+                                        <p:tgtEl>
+                                          <p:spTgt spid="2"/>
+                                        </p:tgtEl>
+                                      </p:cBhvr>
+                                    </p:animEffect>
+                                    <p:anim calcmode="lin" valueType="num">
+                                      <p:cBhvr>
+                                        <p:cTn id="8" dur="1000" fill="hold"/>
+                                        <p:tgtEl>
+                                          <p:spTgt spid="2"/>
+                                        </p:tgtEl>
+                                        <p:attrNameLst>
+                                          <p:attrName>ppt_x</p:attrName>
+                                        </p:attrNameLst>
+                                      </p:cBhvr>
+                                      <p:tavLst>
+                                        <p:tav tm="0">
+                                          <p:val>
+                                            <p:strVal val="#ppt_x"/>
+                                          </p:val>
+                                        </p:tav>
+                                        <p:tav tm="100000">
+                                          <p:val>
+                                            <p:strVal val="#ppt_x"/>
+                                          </p:val>
+                                        </p:tav>
+                                      </p:tavLst>
+                                    </p:anim>
+                                    <p:anim calcmode="lin" valueType="num">
+                                      <p:cBhvr>
+                                        <p:cTn id="9" dur="1000" fill="hold"/>
+                                        <p:tgtEl>
+                                          <p:spTgt spid="2"/>
+                                        </p:tgtEl>
+                                        <p:attrNameLst>
+                                          <p:attrName>ppt_y</p:attrName>
+                                        </p:attrNameLst>
+                                      </p:cBhvr>
+                                      <p:tavLst>
+                                        <p:tav tm="0">
+                                          <p:val>
+                                            <p:strVal val="#ppt_y+.1"/>
+                                          </p:val>
+                                        </p:tav>
+                                        <p:tav tm="100000">
+                                          <p:val>
+                                            <p:strVal val="#ppt_y"/>
+                                          </p:val>
+                                        </p:tav>
+                                      </p:tavLst>
+                                    </p:anim>
+                                  </p:childTnLst>
+                                </p:cTn>
+                              </p:par>
+                              <p:par>
+                                <p:cTn id="10" presetID="42" presetClass="entr" presetSubtype="0" fill="hold" grpId="0" nodeType="withEffect">
+                                  <p:stCondLst>
+                                    <p:cond delay="0"/>
+                                  </p:stCondLst>
+                                  <p:childTnLst>
+                                    <p:set>
+                                      <p:cBhvr>
+                                        <p:cTn id="11" dur="1" fill="hold">
+                                          <p:stCondLst>
+                                            <p:cond delay="0"/>
+                                          </p:stCondLst>
+                                        </p:cTn>
+                                        <p:tgtEl>
+                                          <p:spTgt spid="4">
+                                            <p:txEl>
+                                              <p:pRg st="0" end="0"/>
+                                            </p:txEl>
+                                          </p:spTgt>
+                                        </p:tgtEl>
+                                        <p:attrNameLst>
+                                          <p:attrName>style.visibility</p:attrName>
+                                        </p:attrNameLst>
+                                      </p:cBhvr>
+                                      <p:to>
+                                        <p:strVal val="visible"/>
+                                      </p:to>
+                                    </p:set>
+                                    <p:animEffect transition="in" filter="fade">
+                                      <p:cBhvr>
+                                        <p:cTn id="12" dur="1000"/>
+                                        <p:tgtEl>
+                                          <p:spTgt spid="4">
+                                            <p:txEl>
+                                              <p:pRg st="0" end="0"/>
+                                            </p:txEl>
+                                          </p:spTgt>
+                                        </p:tgtEl>
+                                      </p:cBhvr>
+                                    </p:animEffect>
+                                    <p:anim calcmode="lin" valueType="num">
+                                      <p:cBhvr>
+                                        <p:cTn id="13" dur="1000" fill="hold"/>
+                                        <p:tgtEl>
+                                          <p:spTgt spid="4">
+                                            <p:txEl>
+                                              <p:pRg st="0" end="0"/>
+                                            </p:txEl>
+                                          </p:spTgt>
+                                        </p:tgtEl>
+                                        <p:attrNameLst>
+                                          <p:attrName>ppt_x</p:attrName>
+                                        </p:attrNameLst>
+                                      </p:cBhvr>
+                                      <p:tavLst>
+                                        <p:tav tm="0">
+                                          <p:val>
+                                            <p:strVal val="#ppt_x"/>
+                                          </p:val>
+                                        </p:tav>
+                                        <p:tav tm="100000">
+                                          <p:val>
+                                            <p:strVal val="#ppt_x"/>
+                                          </p:val>
+                                        </p:tav>
+                                      </p:tavLst>
+                                    </p:anim>
+                                    <p:anim calcmode="lin" valueType="num">
+                                      <p:cBhvr>
+                                        <p:cTn id="14" dur="1000" fill="hold"/>
+                                        <p:tgtEl>
+                                          <p:spTgt spid="4">
+                                            <p:txEl>
+                                              <p:pRg st="0" end="0"/>
+                                            </p:txEl>
+                                          </p:spTgt>
+                                        </p:tgtEl>
+                                        <p:attrNameLst>
+                                          <p:attrName>ppt_y</p:attrName>
+                                        </p:attrNameLst>
+                                      </p:cBhvr>
+                                      <p:tavLst>
+                                        <p:tav tm="0">
+                                          <p:val>
+                                            <p:strVal val="#ppt_y+.1"/>
+                                          </p:val>
+                                        </p:tav>
+                                        <p:tav tm="100000">
+                                          <p:val>
+                                            <p:strVal val="#ppt_y"/>
+                                          </p:val>
+                                        </p:tav>
+                                      </p:tavLst>
+                                    </p:anim>
+                                  </p:childTnLst>
+                                </p:cTn>
+                              </p:par>
+                            </p:childTnLst>
+                          </p:cTn>
+                        </p:par>
+                      </p:childTnLst>
+                    </p:cTn>
+                  </p:par>
+                </p:childTnLst>
+              </p:cTn>
+              <p:prevCondLst>
+                <p:cond evt="onPrev" delay="0">
+                  <p:tgtEl>
+                    <p:sldTgt/>
+                  </p:tgtEl>
+                </p:cond>
+              </p:prevCondLst>
+              <p:nextCondLst>
+                <p:cond evt="onNext" delay="0">
+                  <p:tgtEl>
+                    <p:sldTgt/>
+                  </p:tgtEl>
+                </p:cond>
+              </p:nextCondLst>
+            </p:seq>
+          </p:childTnLst>
+        </p:cTn>
+      </p:par>
+    </p:tnLst>
+    <p:bldLst>
+      <p:bldP spid="2" grpId="0"/>
+      <p:bldP spid="4" grpId="0" build="p"/>
+    </p:bldLst>
+  </p:timing>
+</p:sld>
+</file>
+
+<file path=ppt/slides/slide17.xml><?xml version="1.0" encoding="utf-8"?>
+<p:sld xmlns:a="http://schemas.openxmlformats.org/drawingml/2006/main" xmlns:r="http://schemas.openxmlformats.org/officeDocument/2006/relationships" xmlns:p="http://schemas.openxmlformats.org/presentationml/2006/main">
+  <p:cSld>
+    <p:spTree>
+      <p:nvGrpSpPr>
+        <p:cNvPr id="1" name=""/>
+        <p:cNvGrpSpPr/>
+        <p:nvPr/>
+      </p:nvGrpSpPr>
+      <p:grpSpPr>
+        <a:xfrm>
+          <a:off x="0" y="0"/>
+          <a:ext cx="0" cy="0"/>
+          <a:chOff x="0" y="0"/>
+          <a:chExt cx="0" cy="0"/>
+        </a:xfrm>
+      </p:grpSpPr>
+      <p:sp>
+        <p:nvSpPr>
+          <p:cNvPr id="2" name="Title 1"/>
+          <p:cNvSpPr>
+            <a:spLocks noGrp="1"/>
+          </p:cNvSpPr>
+          <p:nvPr>
+            <p:ph type="title"/>
+          </p:nvPr>
+        </p:nvSpPr>
+        <p:spPr/>
+        <p:txBody>
+          <a:bodyPr>
+            <a:normAutofit/>
+          </a:bodyPr>
+          <a:lstStyle/>
+          <a:p>
+            <a:r>
+              <a:rPr lang="en-US" dirty="0"/>
+              <a:t>Change PIN page</a:t>
+            </a:r>
+            <a:endParaRPr lang="en-IN" dirty="0"/>
+          </a:p>
+        </p:txBody>
+      </p:sp>
+      <p:pic>
+        <p:nvPicPr>
+          <p:cNvPr id="6" name="Picture Placeholder 5">
+            <a:extLst>
+              <a:ext uri="{FF2B5EF4-FFF2-40B4-BE49-F238E27FC236}">
+                <a16:creationId xmlns:a16="http://schemas.microsoft.com/office/drawing/2014/main" id="{F5F54807-91CD-48B7-BE3C-4F13F14C29F0}"/>
+              </a:ext>
+            </a:extLst>
+          </p:cNvPr>
+          <p:cNvPicPr>
+            <a:picLocks noGrp="1" noChangeAspect="1"/>
+          </p:cNvPicPr>
+          <p:nvPr>
+            <p:ph type="pic" idx="1"/>
+          </p:nvPr>
+        </p:nvPicPr>
+        <p:blipFill>
+          <a:blip r:embed="rId2"/>
+          <a:stretch>
+            <a:fillRect/>
+          </a:stretch>
+        </p:blipFill>
+        <p:spPr>
+          <a:xfrm>
+            <a:off x="1154953" y="534284"/>
+            <a:ext cx="8826155" cy="3222473"/>
+          </a:xfrm>
+          <a:prstGeom prst="rect">
+            <a:avLst/>
+          </a:prstGeom>
+        </p:spPr>
+      </p:pic>
+      <p:sp>
+        <p:nvSpPr>
+          <p:cNvPr id="4" name="Text Placeholder 3"/>
+          <p:cNvSpPr>
+            <a:spLocks noGrp="1"/>
+          </p:cNvSpPr>
+          <p:nvPr>
+            <p:ph type="body" sz="half" idx="2"/>
+          </p:nvPr>
+        </p:nvSpPr>
+        <p:spPr/>
+        <p:txBody>
+          <a:bodyPr/>
+          <a:lstStyle/>
+          <a:p>
+            <a:r>
+              <a:rPr lang="en-IN" dirty="0"/>
+              <a:t>Visible to respective user after logging in</a:t>
+            </a:r>
+          </a:p>
+        </p:txBody>
+      </p:sp>
+    </p:spTree>
+    <p:extLst>
+      <p:ext uri="{BB962C8B-B14F-4D97-AF65-F5344CB8AC3E}">
+        <p14:creationId xmlns:p14="http://schemas.microsoft.com/office/powerpoint/2010/main" val="470654475"/>
+      </p:ext>
+    </p:extLst>
+  </p:cSld>
+  <p:clrMapOvr>
+    <a:masterClrMapping/>
+  </p:clrMapOvr>
+  <mc:AlternateContent xmlns:mc="http://schemas.openxmlformats.org/markup-compatibility/2006" xmlns:p14="http://schemas.microsoft.com/office/powerpoint/2010/main">
+    <mc:Choice Requires="p14">
+      <p:transition spd="slow" p14:dur="3400">
+        <p14:reveal/>
+      </p:transition>
+    </mc:Choice>
+    <mc:Fallback xmlns="">
+      <p:transition spd="slow">
+        <p:fade/>
+      </p:transition>
+    </mc:Fallback>
+  </mc:AlternateContent>
+  <p:timing>
+    <p:tnLst>
+      <p:par>
+        <p:cTn id="1" dur="indefinite" restart="never" nodeType="tmRoot">
+          <p:childTnLst>
+            <p:seq concurrent="1" nextAc="seek">
+              <p:cTn id="2" dur="indefinite" nodeType="mainSeq">
+                <p:childTnLst>
+                  <p:par>
+                    <p:cTn id="3" fill="hold">
+                      <p:stCondLst>
+                        <p:cond delay="indefinite"/>
+                        <p:cond evt="onBegin" delay="0">
+                          <p:tn val="2"/>
+                        </p:cond>
+                      </p:stCondLst>
+                      <p:childTnLst>
+                        <p:par>
+                          <p:cTn id="4" fill="hold">
+                            <p:stCondLst>
+                              <p:cond delay="0"/>
+                            </p:stCondLst>
+                            <p:childTnLst>
+                              <p:par>
+                                <p:cTn id="5" presetID="42" presetClass="entr" presetSubtype="0" fill="hold" grpId="0" nodeType="afterEffect">
+                                  <p:stCondLst>
+                                    <p:cond delay="0"/>
+                                  </p:stCondLst>
+                                  <p:childTnLst>
+                                    <p:set>
+                                      <p:cBhvr>
+                                        <p:cTn id="6" dur="1" fill="hold">
+                                          <p:stCondLst>
+                                            <p:cond delay="0"/>
+                                          </p:stCondLst>
+                                        </p:cTn>
+                                        <p:tgtEl>
+                                          <p:spTgt spid="2"/>
+                                        </p:tgtEl>
+                                        <p:attrNameLst>
+                                          <p:attrName>style.visibility</p:attrName>
+                                        </p:attrNameLst>
+                                      </p:cBhvr>
+                                      <p:to>
+                                        <p:strVal val="visible"/>
+                                      </p:to>
+                                    </p:set>
+                                    <p:animEffect transition="in" filter="fade">
+                                      <p:cBhvr>
+                                        <p:cTn id="7" dur="1000"/>
+                                        <p:tgtEl>
+                                          <p:spTgt spid="2"/>
+                                        </p:tgtEl>
+                                      </p:cBhvr>
+                                    </p:animEffect>
+                                    <p:anim calcmode="lin" valueType="num">
+                                      <p:cBhvr>
+                                        <p:cTn id="8" dur="1000" fill="hold"/>
+                                        <p:tgtEl>
+                                          <p:spTgt spid="2"/>
+                                        </p:tgtEl>
+                                        <p:attrNameLst>
+                                          <p:attrName>ppt_x</p:attrName>
+                                        </p:attrNameLst>
+                                      </p:cBhvr>
+                                      <p:tavLst>
+                                        <p:tav tm="0">
+                                          <p:val>
+                                            <p:strVal val="#ppt_x"/>
+                                          </p:val>
+                                        </p:tav>
+                                        <p:tav tm="100000">
+                                          <p:val>
+                                            <p:strVal val="#ppt_x"/>
+                                          </p:val>
+                                        </p:tav>
+                                      </p:tavLst>
+                                    </p:anim>
+                                    <p:anim calcmode="lin" valueType="num">
+                                      <p:cBhvr>
+                                        <p:cTn id="9" dur="1000" fill="hold"/>
+                                        <p:tgtEl>
+                                          <p:spTgt spid="2"/>
+                                        </p:tgtEl>
+                                        <p:attrNameLst>
+                                          <p:attrName>ppt_y</p:attrName>
+                                        </p:attrNameLst>
+                                      </p:cBhvr>
+                                      <p:tavLst>
+                                        <p:tav tm="0">
+                                          <p:val>
+                                            <p:strVal val="#ppt_y+.1"/>
+                                          </p:val>
+                                        </p:tav>
+                                        <p:tav tm="100000">
+                                          <p:val>
+                                            <p:strVal val="#ppt_y"/>
+                                          </p:val>
+                                        </p:tav>
+                                      </p:tavLst>
+                                    </p:anim>
+                                  </p:childTnLst>
+                                </p:cTn>
+                              </p:par>
+                              <p:par>
+                                <p:cTn id="10" presetID="42" presetClass="entr" presetSubtype="0" fill="hold" grpId="0" nodeType="withEffect">
+                                  <p:stCondLst>
+                                    <p:cond delay="0"/>
+                                  </p:stCondLst>
+                                  <p:childTnLst>
+                                    <p:set>
+                                      <p:cBhvr>
+                                        <p:cTn id="11" dur="1" fill="hold">
+                                          <p:stCondLst>
+                                            <p:cond delay="0"/>
+                                          </p:stCondLst>
+                                        </p:cTn>
+                                        <p:tgtEl>
+                                          <p:spTgt spid="4">
+                                            <p:txEl>
+                                              <p:pRg st="0" end="0"/>
+                                            </p:txEl>
+                                          </p:spTgt>
+                                        </p:tgtEl>
+                                        <p:attrNameLst>
+                                          <p:attrName>style.visibility</p:attrName>
+                                        </p:attrNameLst>
+                                      </p:cBhvr>
+                                      <p:to>
+                                        <p:strVal val="visible"/>
+                                      </p:to>
+                                    </p:set>
+                                    <p:animEffect transition="in" filter="fade">
+                                      <p:cBhvr>
+                                        <p:cTn id="12" dur="1000"/>
+                                        <p:tgtEl>
+                                          <p:spTgt spid="4">
+                                            <p:txEl>
+                                              <p:pRg st="0" end="0"/>
+                                            </p:txEl>
+                                          </p:spTgt>
+                                        </p:tgtEl>
+                                      </p:cBhvr>
+                                    </p:animEffect>
+                                    <p:anim calcmode="lin" valueType="num">
+                                      <p:cBhvr>
+                                        <p:cTn id="13" dur="1000" fill="hold"/>
+                                        <p:tgtEl>
+                                          <p:spTgt spid="4">
+                                            <p:txEl>
+                                              <p:pRg st="0" end="0"/>
+                                            </p:txEl>
+                                          </p:spTgt>
+                                        </p:tgtEl>
+                                        <p:attrNameLst>
+                                          <p:attrName>ppt_x</p:attrName>
+                                        </p:attrNameLst>
+                                      </p:cBhvr>
+                                      <p:tavLst>
+                                        <p:tav tm="0">
+                                          <p:val>
+                                            <p:strVal val="#ppt_x"/>
+                                          </p:val>
+                                        </p:tav>
+                                        <p:tav tm="100000">
+                                          <p:val>
+                                            <p:strVal val="#ppt_x"/>
+                                          </p:val>
+                                        </p:tav>
+                                      </p:tavLst>
+                                    </p:anim>
+                                    <p:anim calcmode="lin" valueType="num">
+                                      <p:cBhvr>
+                                        <p:cTn id="14" dur="1000" fill="hold"/>
+                                        <p:tgtEl>
+                                          <p:spTgt spid="4">
+                                            <p:txEl>
+                                              <p:pRg st="0" end="0"/>
+                                            </p:txEl>
+                                          </p:spTgt>
+                                        </p:tgtEl>
+                                        <p:attrNameLst>
+                                          <p:attrName>ppt_y</p:attrName>
+                                        </p:attrNameLst>
+                                      </p:cBhvr>
+                                      <p:tavLst>
+                                        <p:tav tm="0">
+                                          <p:val>
+                                            <p:strVal val="#ppt_y+.1"/>
+                                          </p:val>
+                                        </p:tav>
+                                        <p:tav tm="100000">
+                                          <p:val>
+                                            <p:strVal val="#ppt_y"/>
+                                          </p:val>
+                                        </p:tav>
+                                      </p:tavLst>
+                                    </p:anim>
+                                  </p:childTnLst>
+                                </p:cTn>
+                              </p:par>
+                            </p:childTnLst>
+                          </p:cTn>
+                        </p:par>
+                      </p:childTnLst>
+                    </p:cTn>
+                  </p:par>
+                </p:childTnLst>
+              </p:cTn>
+              <p:prevCondLst>
+                <p:cond evt="onPrev" delay="0">
+                  <p:tgtEl>
+                    <p:sldTgt/>
+                  </p:tgtEl>
+                </p:cond>
+              </p:prevCondLst>
+              <p:nextCondLst>
+                <p:cond evt="onNext" delay="0">
+                  <p:tgtEl>
+                    <p:sldTgt/>
+                  </p:tgtEl>
+                </p:cond>
+              </p:nextCondLst>
+            </p:seq>
+          </p:childTnLst>
+        </p:cTn>
+      </p:par>
+    </p:tnLst>
+    <p:bldLst>
+      <p:bldP spid="2" grpId="0"/>
+      <p:bldP spid="4" grpId="0" build="p"/>
+    </p:bldLst>
+  </p:timing>
+</p:sld>
+</file>
+
+<file path=ppt/slides/slide18.xml><?xml version="1.0" encoding="utf-8"?>
+<p:sld xmlns:a="http://schemas.openxmlformats.org/drawingml/2006/main" xmlns:r="http://schemas.openxmlformats.org/officeDocument/2006/relationships" xmlns:p="http://schemas.openxmlformats.org/presentationml/2006/main">
+  <p:cSld>
+    <p:spTree>
+      <p:nvGrpSpPr>
+        <p:cNvPr id="1" name=""/>
+        <p:cNvGrpSpPr/>
+        <p:nvPr/>
+      </p:nvGrpSpPr>
+      <p:grpSpPr>
+        <a:xfrm>
+          <a:off x="0" y="0"/>
+          <a:ext cx="0" cy="0"/>
+          <a:chOff x="0" y="0"/>
+          <a:chExt cx="0" cy="0"/>
+        </a:xfrm>
+      </p:grpSpPr>
+      <p:sp>
+        <p:nvSpPr>
+          <p:cNvPr id="2" name="Title 1"/>
+          <p:cNvSpPr>
+            <a:spLocks noGrp="1"/>
+          </p:cNvSpPr>
+          <p:nvPr>
+            <p:ph type="title"/>
+          </p:nvPr>
+        </p:nvSpPr>
+        <p:spPr/>
+        <p:txBody>
+          <a:bodyPr>
+            <a:normAutofit/>
+          </a:bodyPr>
+          <a:lstStyle/>
+          <a:p>
+            <a:r>
+              <a:rPr lang="en-US" dirty="0"/>
+              <a:t>Cheque deposit page</a:t>
+            </a:r>
+            <a:endParaRPr lang="en-IN" dirty="0"/>
+          </a:p>
+        </p:txBody>
+      </p:sp>
+      <p:pic>
+        <p:nvPicPr>
+          <p:cNvPr id="6" name="Picture Placeholder 5">
+            <a:extLst>
+              <a:ext uri="{FF2B5EF4-FFF2-40B4-BE49-F238E27FC236}">
+                <a16:creationId xmlns:a16="http://schemas.microsoft.com/office/drawing/2014/main" id="{F5F54807-91CD-48B7-BE3C-4F13F14C29F0}"/>
+              </a:ext>
+            </a:extLst>
+          </p:cNvPr>
+          <p:cNvPicPr>
+            <a:picLocks noGrp="1" noChangeAspect="1"/>
+          </p:cNvPicPr>
+          <p:nvPr>
+            <p:ph type="pic" idx="1"/>
+          </p:nvPr>
+        </p:nvPicPr>
+        <p:blipFill>
+          <a:blip r:embed="rId2"/>
+          <a:stretch>
+            <a:fillRect/>
+          </a:stretch>
+        </p:blipFill>
+        <p:spPr>
+          <a:xfrm>
+            <a:off x="1192650" y="534284"/>
+            <a:ext cx="8750761" cy="3222473"/>
+          </a:xfrm>
+          <a:prstGeom prst="rect">
+            <a:avLst/>
+          </a:prstGeom>
+        </p:spPr>
+      </p:pic>
+      <p:sp>
+        <p:nvSpPr>
+          <p:cNvPr id="4" name="Text Placeholder 3"/>
+          <p:cNvSpPr>
+            <a:spLocks noGrp="1"/>
+          </p:cNvSpPr>
+          <p:nvPr>
+            <p:ph type="body" sz="half" idx="2"/>
+          </p:nvPr>
+        </p:nvSpPr>
+        <p:spPr/>
+        <p:txBody>
+          <a:bodyPr/>
+          <a:lstStyle/>
+          <a:p>
+            <a:r>
+              <a:rPr lang="en-IN" dirty="0"/>
+              <a:t>Visible to respective user after logging in</a:t>
+            </a:r>
+          </a:p>
+        </p:txBody>
+      </p:sp>
+    </p:spTree>
+    <p:extLst>
+      <p:ext uri="{BB962C8B-B14F-4D97-AF65-F5344CB8AC3E}">
+        <p14:creationId xmlns:p14="http://schemas.microsoft.com/office/powerpoint/2010/main" val="4015690192"/>
+      </p:ext>
+    </p:extLst>
+  </p:cSld>
+  <p:clrMapOvr>
+    <a:masterClrMapping/>
+  </p:clrMapOvr>
+  <mc:AlternateContent xmlns:mc="http://schemas.openxmlformats.org/markup-compatibility/2006" xmlns:p14="http://schemas.microsoft.com/office/powerpoint/2010/main">
+    <mc:Choice Requires="p14">
+      <p:transition spd="slow" p14:dur="3400">
+        <p14:reveal/>
+      </p:transition>
+    </mc:Choice>
+    <mc:Fallback xmlns="">
+      <p:transition spd="slow">
+        <p:fade/>
+      </p:transition>
+    </mc:Fallback>
+  </mc:AlternateContent>
+  <p:timing>
+    <p:tnLst>
+      <p:par>
+        <p:cTn id="1" dur="indefinite" restart="never" nodeType="tmRoot">
+          <p:childTnLst>
+            <p:seq concurrent="1" nextAc="seek">
+              <p:cTn id="2" dur="indefinite" nodeType="mainSeq">
+                <p:childTnLst>
+                  <p:par>
+                    <p:cTn id="3" fill="hold">
+                      <p:stCondLst>
+                        <p:cond delay="indefinite"/>
+                        <p:cond evt="onBegin" delay="0">
+                          <p:tn val="2"/>
+                        </p:cond>
+                      </p:stCondLst>
+                      <p:childTnLst>
+                        <p:par>
+                          <p:cTn id="4" fill="hold">
+                            <p:stCondLst>
+                              <p:cond delay="0"/>
+                            </p:stCondLst>
+                            <p:childTnLst>
+                              <p:par>
+                                <p:cTn id="5" presetID="42" presetClass="entr" presetSubtype="0" fill="hold" grpId="0" nodeType="afterEffect">
+                                  <p:stCondLst>
+                                    <p:cond delay="0"/>
+                                  </p:stCondLst>
+                                  <p:childTnLst>
+                                    <p:set>
+                                      <p:cBhvr>
+                                        <p:cTn id="6" dur="1" fill="hold">
+                                          <p:stCondLst>
+                                            <p:cond delay="0"/>
+                                          </p:stCondLst>
+                                        </p:cTn>
+                                        <p:tgtEl>
+                                          <p:spTgt spid="2"/>
+                                        </p:tgtEl>
+                                        <p:attrNameLst>
+                                          <p:attrName>style.visibility</p:attrName>
+                                        </p:attrNameLst>
+                                      </p:cBhvr>
+                                      <p:to>
+                                        <p:strVal val="visible"/>
+                                      </p:to>
+                                    </p:set>
+                                    <p:animEffect transition="in" filter="fade">
+                                      <p:cBhvr>
+                                        <p:cTn id="7" dur="1000"/>
+                                        <p:tgtEl>
+                                          <p:spTgt spid="2"/>
+                                        </p:tgtEl>
+                                      </p:cBhvr>
+                                    </p:animEffect>
+                                    <p:anim calcmode="lin" valueType="num">
+                                      <p:cBhvr>
+                                        <p:cTn id="8" dur="1000" fill="hold"/>
+                                        <p:tgtEl>
+                                          <p:spTgt spid="2"/>
+                                        </p:tgtEl>
+                                        <p:attrNameLst>
+                                          <p:attrName>ppt_x</p:attrName>
+                                        </p:attrNameLst>
+                                      </p:cBhvr>
+                                      <p:tavLst>
+                                        <p:tav tm="0">
+                                          <p:val>
+                                            <p:strVal val="#ppt_x"/>
+                                          </p:val>
+                                        </p:tav>
+                                        <p:tav tm="100000">
+                                          <p:val>
+                                            <p:strVal val="#ppt_x"/>
+                                          </p:val>
+                                        </p:tav>
+                                      </p:tavLst>
+                                    </p:anim>
+                                    <p:anim calcmode="lin" valueType="num">
+                                      <p:cBhvr>
+                                        <p:cTn id="9" dur="1000" fill="hold"/>
+                                        <p:tgtEl>
+                                          <p:spTgt spid="2"/>
+                                        </p:tgtEl>
+                                        <p:attrNameLst>
+                                          <p:attrName>ppt_y</p:attrName>
+                                        </p:attrNameLst>
+                                      </p:cBhvr>
+                                      <p:tavLst>
+                                        <p:tav tm="0">
+                                          <p:val>
+                                            <p:strVal val="#ppt_y+.1"/>
+                                          </p:val>
+                                        </p:tav>
+                                        <p:tav tm="100000">
+                                          <p:val>
+                                            <p:strVal val="#ppt_y"/>
+                                          </p:val>
+                                        </p:tav>
+                                      </p:tavLst>
+                                    </p:anim>
+                                  </p:childTnLst>
+                                </p:cTn>
+                              </p:par>
+                              <p:par>
+                                <p:cTn id="10" presetID="42" presetClass="entr" presetSubtype="0" fill="hold" grpId="0" nodeType="withEffect">
+                                  <p:stCondLst>
+                                    <p:cond delay="0"/>
+                                  </p:stCondLst>
+                                  <p:childTnLst>
+                                    <p:set>
+                                      <p:cBhvr>
+                                        <p:cTn id="11" dur="1" fill="hold">
+                                          <p:stCondLst>
+                                            <p:cond delay="0"/>
+                                          </p:stCondLst>
+                                        </p:cTn>
+                                        <p:tgtEl>
+                                          <p:spTgt spid="4">
+                                            <p:txEl>
+                                              <p:pRg st="0" end="0"/>
+                                            </p:txEl>
+                                          </p:spTgt>
+                                        </p:tgtEl>
+                                        <p:attrNameLst>
+                                          <p:attrName>style.visibility</p:attrName>
+                                        </p:attrNameLst>
+                                      </p:cBhvr>
+                                      <p:to>
+                                        <p:strVal val="visible"/>
+                                      </p:to>
+                                    </p:set>
+                                    <p:animEffect transition="in" filter="fade">
+                                      <p:cBhvr>
+                                        <p:cTn id="12" dur="1000"/>
+                                        <p:tgtEl>
+                                          <p:spTgt spid="4">
+                                            <p:txEl>
+                                              <p:pRg st="0" end="0"/>
+                                            </p:txEl>
+                                          </p:spTgt>
+                                        </p:tgtEl>
+                                      </p:cBhvr>
+                                    </p:animEffect>
+                                    <p:anim calcmode="lin" valueType="num">
+                                      <p:cBhvr>
+                                        <p:cTn id="13" dur="1000" fill="hold"/>
+                                        <p:tgtEl>
+                                          <p:spTgt spid="4">
+                                            <p:txEl>
+                                              <p:pRg st="0" end="0"/>
+                                            </p:txEl>
+                                          </p:spTgt>
+                                        </p:tgtEl>
+                                        <p:attrNameLst>
+                                          <p:attrName>ppt_x</p:attrName>
+                                        </p:attrNameLst>
+                                      </p:cBhvr>
+                                      <p:tavLst>
+                                        <p:tav tm="0">
+                                          <p:val>
+                                            <p:strVal val="#ppt_x"/>
+                                          </p:val>
+                                        </p:tav>
+                                        <p:tav tm="100000">
+                                          <p:val>
+                                            <p:strVal val="#ppt_x"/>
+                                          </p:val>
+                                        </p:tav>
+                                      </p:tavLst>
+                                    </p:anim>
+                                    <p:anim calcmode="lin" valueType="num">
+                                      <p:cBhvr>
+                                        <p:cTn id="14" dur="1000" fill="hold"/>
+                                        <p:tgtEl>
+                                          <p:spTgt spid="4">
+                                            <p:txEl>
+                                              <p:pRg st="0" end="0"/>
+                                            </p:txEl>
+                                          </p:spTgt>
+                                        </p:tgtEl>
+                                        <p:attrNameLst>
+                                          <p:attrName>ppt_y</p:attrName>
+                                        </p:attrNameLst>
+                                      </p:cBhvr>
+                                      <p:tavLst>
+                                        <p:tav tm="0">
+                                          <p:val>
+                                            <p:strVal val="#ppt_y+.1"/>
+                                          </p:val>
+                                        </p:tav>
+                                        <p:tav tm="100000">
+                                          <p:val>
+                                            <p:strVal val="#ppt_y"/>
+                                          </p:val>
+                                        </p:tav>
+                                      </p:tavLst>
+                                    </p:anim>
+                                  </p:childTnLst>
+                                </p:cTn>
+                              </p:par>
+                            </p:childTnLst>
+                          </p:cTn>
+                        </p:par>
+                      </p:childTnLst>
+                    </p:cTn>
+                  </p:par>
+                </p:childTnLst>
+              </p:cTn>
+              <p:prevCondLst>
+                <p:cond evt="onPrev" delay="0">
+                  <p:tgtEl>
+                    <p:sldTgt/>
+                  </p:tgtEl>
+                </p:cond>
+              </p:prevCondLst>
+              <p:nextCondLst>
+                <p:cond evt="onNext" delay="0">
+                  <p:tgtEl>
+                    <p:sldTgt/>
+                  </p:tgtEl>
+                </p:cond>
+              </p:nextCondLst>
+            </p:seq>
+          </p:childTnLst>
+        </p:cTn>
+      </p:par>
+    </p:tnLst>
+    <p:bldLst>
+      <p:bldP spid="2" grpId="0"/>
+      <p:bldP spid="4" grpId="0" build="p"/>
+    </p:bldLst>
+  </p:timing>
+</p:sld>
+</file>
+
+<file path=ppt/slides/slide19.xml><?xml version="1.0" encoding="utf-8"?>
+<p:sld xmlns:a="http://schemas.openxmlformats.org/drawingml/2006/main" xmlns:r="http://schemas.openxmlformats.org/officeDocument/2006/relationships" xmlns:p="http://schemas.openxmlformats.org/presentationml/2006/main">
+  <p:cSld>
+    <p:spTree>
+      <p:nvGrpSpPr>
+        <p:cNvPr id="1" name=""/>
+        <p:cNvGrpSpPr/>
+        <p:nvPr/>
+      </p:nvGrpSpPr>
+      <p:grpSpPr>
+        <a:xfrm>
+          <a:off x="0" y="0"/>
+          <a:ext cx="0" cy="0"/>
+          <a:chOff x="0" y="0"/>
+          <a:chExt cx="0" cy="0"/>
+        </a:xfrm>
+      </p:grpSpPr>
+      <p:sp>
+        <p:nvSpPr>
+          <p:cNvPr id="2" name="Title 1"/>
+          <p:cNvSpPr>
+            <a:spLocks noGrp="1"/>
+          </p:cNvSpPr>
+          <p:nvPr>
+            <p:ph type="title"/>
+          </p:nvPr>
+        </p:nvSpPr>
+        <p:spPr/>
+        <p:txBody>
+          <a:bodyPr>
+            <a:normAutofit/>
+          </a:bodyPr>
+          <a:lstStyle/>
+          <a:p>
+            <a:r>
+              <a:rPr lang="en-US" dirty="0"/>
+              <a:t>List of account transactions page</a:t>
+            </a:r>
+            <a:endParaRPr lang="en-IN" dirty="0"/>
+          </a:p>
+        </p:txBody>
+      </p:sp>
+      <p:pic>
+        <p:nvPicPr>
+          <p:cNvPr id="6" name="Picture Placeholder 5">
+            <a:extLst>
+              <a:ext uri="{FF2B5EF4-FFF2-40B4-BE49-F238E27FC236}">
+                <a16:creationId xmlns:a16="http://schemas.microsoft.com/office/drawing/2014/main" id="{F5F54807-91CD-48B7-BE3C-4F13F14C29F0}"/>
+              </a:ext>
+            </a:extLst>
+          </p:cNvPr>
+          <p:cNvPicPr>
+            <a:picLocks noGrp="1" noChangeAspect="1"/>
+          </p:cNvPicPr>
+          <p:nvPr>
+            <p:ph type="pic" idx="1"/>
+          </p:nvPr>
+        </p:nvPicPr>
+        <p:blipFill>
+          <a:blip r:embed="rId2"/>
+          <a:stretch>
+            <a:fillRect/>
+          </a:stretch>
+        </p:blipFill>
+        <p:spPr>
+          <a:xfrm>
+            <a:off x="1192650" y="487695"/>
+            <a:ext cx="8750761" cy="3203108"/>
+          </a:xfrm>
+          <a:prstGeom prst="rect">
+            <a:avLst/>
+          </a:prstGeom>
+        </p:spPr>
+      </p:pic>
+      <p:sp>
+        <p:nvSpPr>
+          <p:cNvPr id="4" name="Text Placeholder 3"/>
+          <p:cNvSpPr>
+            <a:spLocks noGrp="1"/>
+          </p:cNvSpPr>
+          <p:nvPr>
+            <p:ph type="body" sz="half" idx="2"/>
+          </p:nvPr>
+        </p:nvSpPr>
+        <p:spPr/>
+        <p:txBody>
+          <a:bodyPr/>
+          <a:lstStyle/>
+          <a:p>
+            <a:r>
+              <a:rPr lang="en-IN" dirty="0"/>
+              <a:t>Visible to respective user &amp; admin after logging in</a:t>
+            </a:r>
+          </a:p>
+        </p:txBody>
+      </p:sp>
+    </p:spTree>
+    <p:extLst>
+      <p:ext uri="{BB962C8B-B14F-4D97-AF65-F5344CB8AC3E}">
+        <p14:creationId xmlns:p14="http://schemas.microsoft.com/office/powerpoint/2010/main" val="2307308597"/>
+      </p:ext>
+    </p:extLst>
+  </p:cSld>
+  <p:clrMapOvr>
+    <a:masterClrMapping/>
+  </p:clrMapOvr>
+  <mc:AlternateContent xmlns:mc="http://schemas.openxmlformats.org/markup-compatibility/2006" xmlns:p14="http://schemas.microsoft.com/office/powerpoint/2010/main">
+    <mc:Choice Requires="p14">
+      <p:transition spd="slow" p14:dur="3400">
+        <p14:reveal/>
+      </p:transition>
+    </mc:Choice>
+    <mc:Fallback xmlns="">
+      <p:transition spd="slow">
+        <p:fade/>
+      </p:transition>
+    </mc:Fallback>
+  </mc:AlternateContent>
+  <p:timing>
+    <p:tnLst>
+      <p:par>
+        <p:cTn id="1" dur="indefinite" restart="never" nodeType="tmRoot">
+          <p:childTnLst>
+            <p:seq concurrent="1" nextAc="seek">
+              <p:cTn id="2" dur="indefinite" nodeType="mainSeq">
+                <p:childTnLst>
+                  <p:par>
+                    <p:cTn id="3" fill="hold">
+                      <p:stCondLst>
+                        <p:cond delay="indefinite"/>
+                        <p:cond evt="onBegin" delay="0">
+                          <p:tn val="2"/>
+                        </p:cond>
+                      </p:stCondLst>
+                      <p:childTnLst>
+                        <p:par>
+                          <p:cTn id="4" fill="hold">
+                            <p:stCondLst>
+                              <p:cond delay="0"/>
+                            </p:stCondLst>
+                            <p:childTnLst>
+                              <p:par>
+                                <p:cTn id="5" presetID="42" presetClass="entr" presetSubtype="0" fill="hold" grpId="0" nodeType="afterEffect">
+                                  <p:stCondLst>
+                                    <p:cond delay="0"/>
+                                  </p:stCondLst>
+                                  <p:childTnLst>
+                                    <p:set>
+                                      <p:cBhvr>
+                                        <p:cTn id="6" dur="1" fill="hold">
+                                          <p:stCondLst>
+                                            <p:cond delay="0"/>
+                                          </p:stCondLst>
+                                        </p:cTn>
+                                        <p:tgtEl>
+                                          <p:spTgt spid="2"/>
+                                        </p:tgtEl>
+                                        <p:attrNameLst>
+                                          <p:attrName>style.visibility</p:attrName>
+                                        </p:attrNameLst>
+                                      </p:cBhvr>
+                                      <p:to>
+                                        <p:strVal val="visible"/>
+                                      </p:to>
+                                    </p:set>
+                                    <p:animEffect transition="in" filter="fade">
+                                      <p:cBhvr>
+                                        <p:cTn id="7" dur="1000"/>
+                                        <p:tgtEl>
+                                          <p:spTgt spid="2"/>
+                                        </p:tgtEl>
+                                      </p:cBhvr>
+                                    </p:animEffect>
+                                    <p:anim calcmode="lin" valueType="num">
+                                      <p:cBhvr>
+                                        <p:cTn id="8" dur="1000" fill="hold"/>
+                                        <p:tgtEl>
+                                          <p:spTgt spid="2"/>
+                                        </p:tgtEl>
+                                        <p:attrNameLst>
+                                          <p:attrName>ppt_x</p:attrName>
+                                        </p:attrNameLst>
+                                      </p:cBhvr>
+                                      <p:tavLst>
+                                        <p:tav tm="0">
+                                          <p:val>
+                                            <p:strVal val="#ppt_x"/>
+                                          </p:val>
+                                        </p:tav>
+                                        <p:tav tm="100000">
+                                          <p:val>
+                                            <p:strVal val="#ppt_x"/>
+                                          </p:val>
+                                        </p:tav>
+                                      </p:tavLst>
+                                    </p:anim>
+                                    <p:anim calcmode="lin" valueType="num">
+                                      <p:cBhvr>
+                                        <p:cTn id="9" dur="1000" fill="hold"/>
+                                        <p:tgtEl>
+                                          <p:spTgt spid="2"/>
+                                        </p:tgtEl>
+                                        <p:attrNameLst>
+                                          <p:attrName>ppt_y</p:attrName>
+                                        </p:attrNameLst>
+                                      </p:cBhvr>
+                                      <p:tavLst>
+                                        <p:tav tm="0">
+                                          <p:val>
+                                            <p:strVal val="#ppt_y+.1"/>
+                                          </p:val>
+                                        </p:tav>
+                                        <p:tav tm="100000">
+                                          <p:val>
+                                            <p:strVal val="#ppt_y"/>
+                                          </p:val>
+                                        </p:tav>
+                                      </p:tavLst>
+                                    </p:anim>
+                                  </p:childTnLst>
+                                </p:cTn>
+                              </p:par>
+                              <p:par>
+                                <p:cTn id="10" presetID="42" presetClass="entr" presetSubtype="0" fill="hold" grpId="0" nodeType="withEffect">
+                                  <p:stCondLst>
+                                    <p:cond delay="0"/>
+                                  </p:stCondLst>
+                                  <p:childTnLst>
+                                    <p:set>
+                                      <p:cBhvr>
+                                        <p:cTn id="11" dur="1" fill="hold">
+                                          <p:stCondLst>
+                                            <p:cond delay="0"/>
+                                          </p:stCondLst>
+                                        </p:cTn>
+                                        <p:tgtEl>
+                                          <p:spTgt spid="4">
+                                            <p:txEl>
+                                              <p:pRg st="0" end="0"/>
+                                            </p:txEl>
+                                          </p:spTgt>
+                                        </p:tgtEl>
+                                        <p:attrNameLst>
+                                          <p:attrName>style.visibility</p:attrName>
+                                        </p:attrNameLst>
+                                      </p:cBhvr>
+                                      <p:to>
+                                        <p:strVal val="visible"/>
+                                      </p:to>
+                                    </p:set>
+                                    <p:animEffect transition="in" filter="fade">
+                                      <p:cBhvr>
+                                        <p:cTn id="12" dur="1000"/>
+                                        <p:tgtEl>
+                                          <p:spTgt spid="4">
+                                            <p:txEl>
+                                              <p:pRg st="0" end="0"/>
+                                            </p:txEl>
+                                          </p:spTgt>
+                                        </p:tgtEl>
+                                      </p:cBhvr>
+                                    </p:animEffect>
+                                    <p:anim calcmode="lin" valueType="num">
+                                      <p:cBhvr>
+                                        <p:cTn id="13" dur="1000" fill="hold"/>
+                                        <p:tgtEl>
+                                          <p:spTgt spid="4">
+                                            <p:txEl>
+                                              <p:pRg st="0" end="0"/>
+                                            </p:txEl>
+                                          </p:spTgt>
+                                        </p:tgtEl>
+                                        <p:attrNameLst>
+                                          <p:attrName>ppt_x</p:attrName>
+                                        </p:attrNameLst>
+                                      </p:cBhvr>
+                                      <p:tavLst>
+                                        <p:tav tm="0">
+                                          <p:val>
+                                            <p:strVal val="#ppt_x"/>
+                                          </p:val>
+                                        </p:tav>
+                                        <p:tav tm="100000">
+                                          <p:val>
+                                            <p:strVal val="#ppt_x"/>
+                                          </p:val>
+                                        </p:tav>
+                                      </p:tavLst>
+                                    </p:anim>
+                                    <p:anim calcmode="lin" valueType="num">
+                                      <p:cBhvr>
+                                        <p:cTn id="14" dur="1000" fill="hold"/>
+                                        <p:tgtEl>
+                                          <p:spTgt spid="4">
+                                            <p:txEl>
+                                              <p:pRg st="0" end="0"/>
+                                            </p:txEl>
+                                          </p:spTgt>
+                                        </p:tgtEl>
+                                        <p:attrNameLst>
+                                          <p:attrName>ppt_y</p:attrName>
+                                        </p:attrNameLst>
+                                      </p:cBhvr>
+                                      <p:tavLst>
+                                        <p:tav tm="0">
+                                          <p:val>
+                                            <p:strVal val="#ppt_y+.1"/>
+                                          </p:val>
+                                        </p:tav>
+                                        <p:tav tm="100000">
+                                          <p:val>
+                                            <p:strVal val="#ppt_y"/>
+                                          </p:val>
+                                        </p:tav>
+                                      </p:tavLst>
+                                    </p:anim>
+                                  </p:childTnLst>
+                                </p:cTn>
+                              </p:par>
+                            </p:childTnLst>
+                          </p:cTn>
+                        </p:par>
+                      </p:childTnLst>
+                    </p:cTn>
+                  </p:par>
+                </p:childTnLst>
+              </p:cTn>
+              <p:prevCondLst>
+                <p:cond evt="onPrev" delay="0">
+                  <p:tgtEl>
+                    <p:sldTgt/>
+                  </p:tgtEl>
+                </p:cond>
+              </p:prevCondLst>
+              <p:nextCondLst>
+                <p:cond evt="onNext" delay="0">
+                  <p:tgtEl>
+                    <p:sldTgt/>
+                  </p:tgtEl>
+                </p:cond>
+              </p:nextCondLst>
+            </p:seq>
+          </p:childTnLst>
+        </p:cTn>
+      </p:par>
+    </p:tnLst>
+    <p:bldLst>
+      <p:bldP spid="2" grpId="0"/>
+      <p:bldP spid="4" grpId="0" build="p"/>
+    </p:bldLst>
   </p:timing>
 </p:sld>
 </file>
@@ -13815,7 +16864,7 @@
           <a:lstStyle/>
           <a:p>
             <a:r>
-              <a:rPr lang="en-US" dirty="0" smtClean="0"/>
+              <a:rPr lang="en-US" dirty="0"/>
               <a:t>Group 2</a:t>
             </a:r>
             <a:endParaRPr lang="en-IN" dirty="0"/>
@@ -13838,7 +16887,7 @@
           <a:lstStyle/>
           <a:p>
             <a:r>
-              <a:rPr lang="en-US" dirty="0" smtClean="0"/>
+              <a:rPr lang="en-US" dirty="0"/>
               <a:t>Batch 2</a:t>
             </a:r>
             <a:endParaRPr lang="en-IN" dirty="0"/>
@@ -13861,29 +16910,58 @@
           <a:lstStyle/>
           <a:p>
             <a:r>
-              <a:rPr lang="en-US" dirty="0" smtClean="0"/>
+              <a:rPr lang="en-US" dirty="0"/>
               <a:t>Team – Aryan Srivastava, Ishaan Agarwal, </a:t>
             </a:r>
             <a:r>
-              <a:rPr lang="en-US" dirty="0" err="1" smtClean="0"/>
+              <a:rPr lang="en-US" dirty="0" err="1"/>
               <a:t>Pallavi</a:t>
             </a:r>
             <a:r>
-              <a:rPr lang="en-US" dirty="0" smtClean="0"/>
+              <a:rPr lang="en-US" dirty="0"/>
               <a:t> </a:t>
             </a:r>
             <a:r>
-              <a:rPr lang="en-US" dirty="0" err="1" smtClean="0"/>
+              <a:rPr lang="en-US" dirty="0" err="1"/>
               <a:t>Buwa</a:t>
             </a:r>
             <a:r>
-              <a:rPr lang="en-US" dirty="0" smtClean="0"/>
+              <a:rPr lang="en-US" dirty="0"/>
               <a:t>, Rwitick Ghosh</a:t>
             </a:r>
             <a:endParaRPr lang="en-IN" dirty="0"/>
           </a:p>
         </p:txBody>
       </p:sp>
+      <p:pic>
+        <p:nvPicPr>
+          <p:cNvPr id="6" name="Picture 5">
+            <a:extLst>
+              <a:ext uri="{FF2B5EF4-FFF2-40B4-BE49-F238E27FC236}">
+                <a16:creationId xmlns:a16="http://schemas.microsoft.com/office/drawing/2014/main" id="{BA67DABD-A188-4A32-B9A7-FCF1D6B96F0D}"/>
+              </a:ext>
+            </a:extLst>
+          </p:cNvPr>
+          <p:cNvPicPr>
+            <a:picLocks noChangeAspect="1"/>
+          </p:cNvPicPr>
+          <p:nvPr/>
+        </p:nvPicPr>
+        <p:blipFill rotWithShape="1">
+          <a:blip r:embed="rId2"/>
+          <a:srcRect r="885" b="6114"/>
+          <a:stretch/>
+        </p:blipFill>
+        <p:spPr>
+          <a:xfrm>
+            <a:off x="3826412" y="1129162"/>
+            <a:ext cx="7976382" cy="3091146"/>
+          </a:xfrm>
+          <a:prstGeom prst="rect">
+            <a:avLst/>
+          </a:prstGeom>
+        </p:spPr>
+      </p:pic>
     </p:spTree>
     <p:extLst>
       <p:ext uri="{BB962C8B-B14F-4D97-AF65-F5344CB8AC3E}">
@@ -13906,13 +16984,102 @@
       </p:transition>
     </mc:Fallback>
   </mc:AlternateContent>
-  <p:timing>
-    <p:tnLst>
-      <p:par>
-        <p:cTn id="1" dur="indefinite" restart="never" nodeType="tmRoot"/>
-      </p:par>
-    </p:tnLst>
-  </p:timing>
+</p:sld>
+</file>
+
+<file path=ppt/slides/slide20.xml><?xml version="1.0" encoding="utf-8"?>
+<p:sld xmlns:a="http://schemas.openxmlformats.org/drawingml/2006/main" xmlns:r="http://schemas.openxmlformats.org/officeDocument/2006/relationships" xmlns:p="http://schemas.openxmlformats.org/presentationml/2006/main">
+  <p:cSld>
+    <p:spTree>
+      <p:nvGrpSpPr>
+        <p:cNvPr id="1" name=""/>
+        <p:cNvGrpSpPr/>
+        <p:nvPr/>
+      </p:nvGrpSpPr>
+      <p:grpSpPr>
+        <a:xfrm>
+          <a:off x="0" y="0"/>
+          <a:ext cx="0" cy="0"/>
+          <a:chOff x="0" y="0"/>
+          <a:chExt cx="0" cy="0"/>
+        </a:xfrm>
+      </p:grpSpPr>
+      <p:sp>
+        <p:nvSpPr>
+          <p:cNvPr id="2" name="Title 1"/>
+          <p:cNvSpPr>
+            <a:spLocks noGrp="1"/>
+          </p:cNvSpPr>
+          <p:nvPr>
+            <p:ph type="title"/>
+          </p:nvPr>
+        </p:nvSpPr>
+        <p:spPr/>
+        <p:txBody>
+          <a:bodyPr/>
+          <a:lstStyle/>
+          <a:p>
+            <a:r>
+              <a:rPr lang="en-US" dirty="0"/>
+              <a:t>Thank You</a:t>
+            </a:r>
+            <a:endParaRPr lang="en-IN" dirty="0"/>
+          </a:p>
+        </p:txBody>
+      </p:sp>
+      <p:sp>
+        <p:nvSpPr>
+          <p:cNvPr id="3" name="Text Placeholder 2"/>
+          <p:cNvSpPr>
+            <a:spLocks noGrp="1"/>
+          </p:cNvSpPr>
+          <p:nvPr>
+            <p:ph type="body" idx="1"/>
+          </p:nvPr>
+        </p:nvSpPr>
+        <p:spPr/>
+        <p:txBody>
+          <a:bodyPr/>
+          <a:lstStyle/>
+          <a:p>
+            <a:r>
+              <a:rPr lang="en-US" dirty="0"/>
+              <a:t>Group 2, Batch 2 of </a:t>
+            </a:r>
+            <a:r>
+              <a:rPr lang="en-US" dirty="0" err="1"/>
+              <a:t>.Net</a:t>
+            </a:r>
+            <a:r>
+              <a:rPr lang="en-US" dirty="0"/>
+              <a:t> framework, Hyderabad</a:t>
+            </a:r>
+            <a:endParaRPr lang="en-IN" dirty="0"/>
+          </a:p>
+        </p:txBody>
+      </p:sp>
+    </p:spTree>
+    <p:extLst>
+      <p:ext uri="{BB962C8B-B14F-4D97-AF65-F5344CB8AC3E}">
+        <p14:creationId xmlns:p14="http://schemas.microsoft.com/office/powerpoint/2010/main" val="1380894707"/>
+      </p:ext>
+    </p:extLst>
+  </p:cSld>
+  <p:clrMapOvr>
+    <a:masterClrMapping/>
+  </p:clrMapOvr>
+  <mc:AlternateContent xmlns:mc="http://schemas.openxmlformats.org/markup-compatibility/2006" xmlns:p14="http://schemas.microsoft.com/office/powerpoint/2010/main">
+    <mc:Choice Requires="p14">
+      <p:transition spd="slow" p14:dur="3400">
+        <p14:reveal/>
+      </p:transition>
+    </mc:Choice>
+    <mc:Fallback xmlns="">
+      <p:transition spd="slow">
+        <p:fade/>
+      </p:transition>
+    </mc:Fallback>
+  </mc:AlternateContent>
 </p:sld>
 </file>
 
@@ -13957,12 +17124,12 @@
           <a:p>
             <a:pPr algn="ctr"/>
             <a:r>
-              <a:rPr lang="en-US" b="1" dirty="0" smtClean="0"/>
+              <a:rPr lang="en-US" b="1" dirty="0"/>
               <a:t>Aryan Srivastava</a:t>
             </a:r>
           </a:p>
           <a:p>
-            <a:endParaRPr lang="en-US" dirty="0" smtClean="0"/>
+            <a:endParaRPr lang="en-US" dirty="0"/>
           </a:p>
           <a:p>
             <a:pPr marL="285750" indent="-285750">
@@ -13970,12 +17137,8 @@
               <a:buChar char="•"/>
             </a:pPr>
             <a:r>
-              <a:rPr lang="en-US" dirty="0" smtClean="0"/>
-              <a:t>Database </a:t>
-            </a:r>
-            <a:r>
               <a:rPr lang="en-US" dirty="0"/>
-              <a:t>storage</a:t>
+              <a:t>Database storage</a:t>
             </a:r>
             <a:r>
               <a:rPr lang="en-IN" dirty="0"/>
@@ -13999,13 +17162,8 @@
             </a:pPr>
             <a:r>
               <a:rPr lang="en-US" dirty="0"/>
-              <a:t>Frontend – Multiple pages including Login, Sign-Up, functionalities such as context, protected route, UI/UX design, storage </a:t>
+              <a:t>Frontend – Multiple pages including Login, Sign-Up, functionalities such as context, protected route, UI/UX design, storage persistence</a:t>
             </a:r>
-            <a:r>
-              <a:rPr lang="en-US" dirty="0" smtClean="0"/>
-              <a:t>persistence</a:t>
-            </a:r>
-            <a:endParaRPr lang="en-US" dirty="0"/>
           </a:p>
         </p:txBody>
       </p:sp>
@@ -14033,13 +17191,13 @@
           <a:p>
             <a:pPr algn="ctr"/>
             <a:r>
-              <a:rPr lang="en-US" b="1" dirty="0" smtClean="0"/>
+              <a:rPr lang="en-US" b="1" dirty="0"/>
               <a:t>Ishaan Agarwal</a:t>
             </a:r>
           </a:p>
           <a:p>
             <a:pPr algn="ctr"/>
-            <a:endParaRPr lang="en-US" dirty="0" smtClean="0"/>
+            <a:endParaRPr lang="en-US" dirty="0"/>
           </a:p>
           <a:p>
             <a:pPr marL="285750" indent="-285750">
@@ -14109,14 +17267,14 @@
               <a:t> </a:t>
             </a:r>
             <a:r>
-              <a:rPr lang="en-US" b="1" dirty="0" err="1" smtClean="0"/>
+              <a:rPr lang="en-US" b="1" dirty="0" err="1"/>
               <a:t>Buwa</a:t>
             </a:r>
-            <a:endParaRPr lang="en-US" b="1" dirty="0" smtClean="0"/>
+            <a:endParaRPr lang="en-US" b="1" dirty="0"/>
           </a:p>
           <a:p>
             <a:pPr algn="ctr"/>
-            <a:endParaRPr lang="en-US" dirty="0" smtClean="0"/>
+            <a:endParaRPr lang="en-US" dirty="0"/>
           </a:p>
           <a:p>
             <a:pPr marL="285750" indent="-285750">
@@ -14139,15 +17297,7 @@
             </a:pPr>
             <a:r>
               <a:rPr lang="en-US" dirty="0"/>
-              <a:t>Backend – JWT generation, User Repository, </a:t>
-            </a:r>
-            <a:r>
-              <a:rPr lang="en-US" dirty="0" smtClean="0"/>
-              <a:t>Authorization </a:t>
-            </a:r>
-            <a:r>
-              <a:rPr lang="en-US" dirty="0"/>
-              <a:t>Service, User Controller, Unit Testing</a:t>
+              <a:t>Backend – JWT generation, User Repository, Authorization Service, User Controller, Unit Testing</a:t>
             </a:r>
           </a:p>
           <a:p>
@@ -14186,13 +17336,13 @@
           <a:p>
             <a:pPr algn="ctr"/>
             <a:r>
-              <a:rPr lang="en-US" b="1" dirty="0" smtClean="0"/>
+              <a:rPr lang="en-US" b="1" dirty="0"/>
               <a:t>Rwitick Ghosh</a:t>
             </a:r>
           </a:p>
           <a:p>
             <a:pPr algn="ctr"/>
-            <a:endParaRPr lang="en-US" dirty="0" smtClean="0"/>
+            <a:endParaRPr lang="en-US" dirty="0"/>
           </a:p>
           <a:p>
             <a:pPr marL="285750" indent="-285750">
@@ -14215,15 +17365,7 @@
             </a:pPr>
             <a:r>
               <a:rPr lang="en-US" dirty="0"/>
-              <a:t>Backend – Account Service, Account Controller, Utilities such as password hashing, Authorization middleware</a:t>
-            </a:r>
-            <a:r>
-              <a:rPr lang="en-US" dirty="0" smtClean="0"/>
-              <a:t>, Interface declarations, </a:t>
-            </a:r>
-            <a:r>
-              <a:rPr lang="en-US" dirty="0"/>
-              <a:t>Unit Testing</a:t>
+              <a:t>Backend – Account Service, Account Controller, Utilities such as password hashing, Authorization middleware, Interface declarations, Unit Testing</a:t>
             </a:r>
           </a:p>
           <a:p>
@@ -14262,7 +17404,7 @@
           <a:p>
             <a:pPr algn="ctr"/>
             <a:r>
-              <a:rPr lang="en-US" sz="9600" b="0" cap="none" spc="0" dirty="0" smtClean="0">
+              <a:rPr lang="en-US" sz="9600" b="0" cap="none" spc="0" dirty="0">
                 <a:ln w="0"/>
                 <a:gradFill>
                   <a:gsLst>
@@ -14289,31 +17431,6 @@
               </a:rPr>
               <a:t>Team</a:t>
             </a:r>
-            <a:endParaRPr lang="en-US" sz="9600" b="0" cap="none" spc="0" dirty="0">
-              <a:ln w="0"/>
-              <a:gradFill>
-                <a:gsLst>
-                  <a:gs pos="0">
-                    <a:schemeClr val="accent5">
-                      <a:lumMod val="50000"/>
-                    </a:schemeClr>
-                  </a:gs>
-                  <a:gs pos="50000">
-                    <a:schemeClr val="accent5"/>
-                  </a:gs>
-                  <a:gs pos="100000">
-                    <a:schemeClr val="accent5">
-                      <a:lumMod val="60000"/>
-                      <a:lumOff val="40000"/>
-                    </a:schemeClr>
-                  </a:gs>
-                </a:gsLst>
-                <a:lin ang="5400000"/>
-              </a:gradFill>
-              <a:effectLst>
-                <a:reflection blurRad="6350" stA="53000" endA="300" endPos="35500" dir="5400000" sy="-90000" algn="bl" rotWithShape="0"/>
-              </a:effectLst>
-            </a:endParaRPr>
           </a:p>
         </p:txBody>
       </p:sp>
@@ -15969,7 +19086,7 @@
           <a:lstStyle/>
           <a:p>
             <a:r>
-              <a:rPr lang="en-US" dirty="0" smtClean="0"/>
+              <a:rPr lang="en-US" dirty="0"/>
               <a:t>Database Schema</a:t>
             </a:r>
             <a:endParaRPr lang="en-IN" dirty="0"/>
@@ -16027,13 +19144,6 @@
       </p:transition>
     </mc:Fallback>
   </mc:AlternateContent>
-  <p:timing>
-    <p:tnLst>
-      <p:par>
-        <p:cTn id="1" dur="indefinite" restart="never" nodeType="tmRoot"/>
-      </p:par>
-    </p:tnLst>
-  </p:timing>
 </p:sld>
 </file>
 
@@ -16070,7 +19180,7 @@
           <a:lstStyle/>
           <a:p>
             <a:r>
-              <a:rPr lang="en-US" dirty="0" smtClean="0"/>
+              <a:rPr lang="en-US" dirty="0"/>
               <a:t>Backend folder structure</a:t>
             </a:r>
             <a:endParaRPr lang="en-IN" dirty="0"/>
@@ -16136,7 +19246,7 @@
           <a:lstStyle/>
           <a:p>
             <a:r>
-              <a:rPr lang="en-US" dirty="0" smtClean="0"/>
+              <a:rPr lang="en-US" dirty="0"/>
               <a:t>As viewed by Visual Studio solution explorer</a:t>
             </a:r>
             <a:endParaRPr lang="en-IN" dirty="0"/>
@@ -16165,13 +19275,6 @@
       </p:transition>
     </mc:Fallback>
   </mc:AlternateContent>
-  <p:timing>
-    <p:tnLst>
-      <p:par>
-        <p:cTn id="1" dur="indefinite" restart="never" nodeType="tmRoot"/>
-      </p:par>
-    </p:tnLst>
-  </p:timing>
 </p:sld>
 </file>
 
@@ -16208,7 +19311,7 @@
           <a:lstStyle/>
           <a:p>
             <a:r>
-              <a:rPr lang="en-US" dirty="0" smtClean="0"/>
+              <a:rPr lang="en-US" dirty="0"/>
               <a:t>Backend unit test results</a:t>
             </a:r>
             <a:endParaRPr lang="en-IN" dirty="0"/>
@@ -16272,7 +19375,7 @@
           <a:lstStyle/>
           <a:p>
             <a:r>
-              <a:rPr lang="en-US" dirty="0" smtClean="0"/>
+              <a:rPr lang="en-US" dirty="0"/>
               <a:t>As viewed in Visual Studio Test Explorer</a:t>
             </a:r>
             <a:endParaRPr lang="en-IN" dirty="0"/>
@@ -16338,13 +19441,6 @@
       </p:transition>
     </mc:Fallback>
   </mc:AlternateContent>
-  <p:timing>
-    <p:tnLst>
-      <p:par>
-        <p:cTn id="1" dur="indefinite" restart="never" nodeType="tmRoot"/>
-      </p:par>
-    </p:tnLst>
-  </p:timing>
 </p:sld>
 </file>
 
@@ -16381,7 +19477,7 @@
           <a:lstStyle/>
           <a:p>
             <a:r>
-              <a:rPr lang="en-US" dirty="0" smtClean="0"/>
+              <a:rPr lang="en-US" dirty="0"/>
               <a:t>Swagger View</a:t>
             </a:r>
             <a:endParaRPr lang="en-IN" dirty="0"/>
@@ -16436,15 +19532,15 @@
           <a:lstStyle/>
           <a:p>
             <a:r>
-              <a:rPr lang="en-US" dirty="0" smtClean="0"/>
+              <a:rPr lang="en-US" dirty="0"/>
               <a:t>View of the endpoints in Swagger provided by </a:t>
             </a:r>
             <a:r>
-              <a:rPr lang="en-US" dirty="0" err="1" smtClean="0"/>
+              <a:rPr lang="en-US" dirty="0" err="1"/>
               <a:t>.Net</a:t>
             </a:r>
             <a:r>
-              <a:rPr lang="en-US" dirty="0" smtClean="0"/>
+              <a:rPr lang="en-US" dirty="0"/>
               <a:t> framework</a:t>
             </a:r>
             <a:endParaRPr lang="en-IN" dirty="0"/>
@@ -16742,7 +19838,7 @@
           <a:lstStyle/>
           <a:p>
             <a:r>
-              <a:rPr lang="en-US" dirty="0" smtClean="0"/>
+              <a:rPr lang="en-US" dirty="0"/>
               <a:t>Swagger View (continued…)</a:t>
             </a:r>
             <a:endParaRPr lang="en-IN" dirty="0"/>
@@ -16797,15 +19893,15 @@
           <a:lstStyle/>
           <a:p>
             <a:r>
-              <a:rPr lang="en-US" dirty="0" smtClean="0"/>
+              <a:rPr lang="en-US" dirty="0"/>
               <a:t>View of the endpoints in Swagger provided by </a:t>
             </a:r>
             <a:r>
-              <a:rPr lang="en-US" dirty="0" err="1" smtClean="0"/>
+              <a:rPr lang="en-US" dirty="0" err="1"/>
               <a:t>.Net</a:t>
             </a:r>
             <a:r>
-              <a:rPr lang="en-US" dirty="0" smtClean="0"/>
+              <a:rPr lang="en-US" dirty="0"/>
               <a:t> framework</a:t>
             </a:r>
             <a:endParaRPr lang="en-IN" dirty="0"/>
@@ -17103,7 +20199,7 @@
           <a:lstStyle/>
           <a:p>
             <a:r>
-              <a:rPr lang="en-US" dirty="0" smtClean="0"/>
+              <a:rPr lang="en-US" dirty="0"/>
               <a:t>Screens</a:t>
             </a:r>
             <a:endParaRPr lang="en-IN" dirty="0"/>
@@ -17126,7 +20222,7 @@
           <a:lstStyle/>
           <a:p>
             <a:r>
-              <a:rPr lang="en-US" dirty="0" smtClean="0"/>
+              <a:rPr lang="en-US" dirty="0"/>
               <a:t>Demo client application screengrabs for functionality view</a:t>
             </a:r>
             <a:endParaRPr lang="en-IN" dirty="0"/>
@@ -17155,13 +20251,6 @@
       </p:transition>
     </mc:Fallback>
   </mc:AlternateContent>
-  <p:timing>
-    <p:tnLst>
-      <p:par>
-        <p:cTn id="1" dur="indefinite" restart="never" nodeType="tmRoot"/>
-      </p:par>
-    </p:tnLst>
-  </p:timing>
 </p:sld>
 </file>
 
